--- a/study/courses/iis/IIS_lec_2.pptx
+++ b/study/courses/iis/IIS_lec_2.pptx
@@ -131,7 +131,7 @@
   </p:defaultTextStyle>
   <p:extLst>
     <p:ext uri="{EFAFB233-063F-42B5-8137-9DF3F51BA10A}">
-      <p15:sldGuideLst xmlns:p15="http://schemas.microsoft.com/office/powerpoint/2012/main" xmlns=""/>
+      <p15:sldGuideLst xmlns="" xmlns:p15="http://schemas.microsoft.com/office/powerpoint/2012/main"/>
     </p:ext>
   </p:extLst>
 </p:presentation>
@@ -219,7 +219,7 @@
           <a:p>
             <a:fld id="{62782DC0-A7C2-4D6B-A659-1A08DD2913BE}" type="datetimeFigureOut">
               <a:rPr lang="ru-RU" smtClean="0"/>
-              <a:t>14.09.2017</a:t>
+              <a:t>15.09.2017</a:t>
             </a:fld>
             <a:endParaRPr lang="ru-RU"/>
           </a:p>
@@ -668,7 +668,7 @@
           <a:p>
             <a:fld id="{4EDDABE8-6F76-41C8-B009-27E1CF092874}" type="datetime1">
               <a:rPr lang="ru-RU" smtClean="0"/>
-              <a:t>14.09.2017</a:t>
+              <a:t>15.09.2017</a:t>
             </a:fld>
             <a:endParaRPr lang="ru-RU"/>
           </a:p>
@@ -842,7 +842,7 @@
           <a:p>
             <a:fld id="{599A9CCE-63A0-4EEF-BBC8-913EC1BEF941}" type="datetime1">
               <a:rPr lang="ru-RU" smtClean="0"/>
-              <a:t>14.09.2017</a:t>
+              <a:t>15.09.2017</a:t>
             </a:fld>
             <a:endParaRPr lang="ru-RU"/>
           </a:p>
@@ -1026,7 +1026,7 @@
           <a:p>
             <a:fld id="{0593963B-4822-411F-8E3C-1423F6774503}" type="datetime1">
               <a:rPr lang="ru-RU" smtClean="0"/>
-              <a:t>14.09.2017</a:t>
+              <a:t>15.09.2017</a:t>
             </a:fld>
             <a:endParaRPr lang="ru-RU"/>
           </a:p>
@@ -1200,7 +1200,7 @@
           <a:p>
             <a:fld id="{995BA836-88CC-458A-AC97-77B0F1BFA1F2}" type="datetime1">
               <a:rPr lang="ru-RU" smtClean="0"/>
-              <a:t>14.09.2017</a:t>
+              <a:t>15.09.2017</a:t>
             </a:fld>
             <a:endParaRPr lang="ru-RU"/>
           </a:p>
@@ -1450,7 +1450,7 @@
           <a:p>
             <a:fld id="{23863B5E-E802-4570-8B54-E37573BF60E8}" type="datetime1">
               <a:rPr lang="ru-RU" smtClean="0"/>
-              <a:t>14.09.2017</a:t>
+              <a:t>15.09.2017</a:t>
             </a:fld>
             <a:endParaRPr lang="ru-RU"/>
           </a:p>
@@ -1742,7 +1742,7 @@
           <a:p>
             <a:fld id="{D9756B29-CA98-4454-9581-9696AAAEE3B8}" type="datetime1">
               <a:rPr lang="ru-RU" smtClean="0"/>
-              <a:t>14.09.2017</a:t>
+              <a:t>15.09.2017</a:t>
             </a:fld>
             <a:endParaRPr lang="ru-RU"/>
           </a:p>
@@ -2173,7 +2173,7 @@
           <a:p>
             <a:fld id="{41971359-3C03-4208-8C10-37618AD6AAF9}" type="datetime1">
               <a:rPr lang="ru-RU" smtClean="0"/>
-              <a:t>14.09.2017</a:t>
+              <a:t>15.09.2017</a:t>
             </a:fld>
             <a:endParaRPr lang="ru-RU"/>
           </a:p>
@@ -2295,7 +2295,7 @@
           <a:p>
             <a:fld id="{4CA44069-E999-40AB-A7D6-EB045B798918}" type="datetime1">
               <a:rPr lang="ru-RU" smtClean="0"/>
-              <a:t>14.09.2017</a:t>
+              <a:t>15.09.2017</a:t>
             </a:fld>
             <a:endParaRPr lang="ru-RU"/>
           </a:p>
@@ -2394,7 +2394,7 @@
           <a:p>
             <a:fld id="{5AA24ECE-E864-4882-BC26-C114F263A3FC}" type="datetime1">
               <a:rPr lang="ru-RU" smtClean="0"/>
-              <a:t>14.09.2017</a:t>
+              <a:t>15.09.2017</a:t>
             </a:fld>
             <a:endParaRPr lang="ru-RU"/>
           </a:p>
@@ -2675,7 +2675,7 @@
           <a:p>
             <a:fld id="{295BDA29-9429-4ADE-BC3F-9F7A3C7F2CED}" type="datetime1">
               <a:rPr lang="ru-RU" smtClean="0"/>
-              <a:t>14.09.2017</a:t>
+              <a:t>15.09.2017</a:t>
             </a:fld>
             <a:endParaRPr lang="ru-RU"/>
           </a:p>
@@ -2932,7 +2932,7 @@
           <a:p>
             <a:fld id="{0073F5EC-CA88-4D46-8013-20F61D2C7B5B}" type="datetime1">
               <a:rPr lang="ru-RU" smtClean="0"/>
-              <a:t>14.09.2017</a:t>
+              <a:t>15.09.2017</a:t>
             </a:fld>
             <a:endParaRPr lang="ru-RU"/>
           </a:p>
@@ -3149,7 +3149,7 @@
           <a:p>
             <a:fld id="{8E0BB943-7F87-404B-A19B-4EC5C3D17EF6}" type="datetime1">
               <a:rPr lang="ru-RU" smtClean="0"/>
-              <a:t>14.09.2017</a:t>
+              <a:t>15.09.2017</a:t>
             </a:fld>
             <a:endParaRPr lang="ru-RU"/>
           </a:p>
@@ -4011,14 +4011,6 @@
               </a:rPr>
               <a:t>Определение весов терминов</a:t>
             </a:r>
-            <a:endParaRPr lang="ru-RU" sz="4000" i="1" dirty="0">
-              <a:solidFill>
-                <a:schemeClr val="tx2">
-                  <a:lumMod val="60000"/>
-                  <a:lumOff val="40000"/>
-                </a:schemeClr>
-              </a:solidFill>
-            </a:endParaRPr>
           </a:p>
         </p:txBody>
       </p:sp>
@@ -4090,7 +4082,7 @@
           <a:graphicData uri="http://schemas.openxmlformats.org/presentationml/2006/ole">
             <mc:AlternateContent xmlns:mc="http://schemas.openxmlformats.org/markup-compatibility/2006">
               <mc:Choice xmlns:v="urn:schemas-microsoft-com:vml" Requires="v">
-                <p:oleObj spid="_x0000_s4162" name="Уравнение" r:id="rId3" imgW="609336" imgH="291973" progId="Equation.3">
+                <p:oleObj spid="_x0000_s4174" name="Уравнение" r:id="rId3" imgW="609336" imgH="291973" progId="Equation.3">
                   <p:embed/>
                 </p:oleObj>
               </mc:Choice>
@@ -4157,7 +4149,7 @@
           <a:graphicData uri="http://schemas.openxmlformats.org/presentationml/2006/ole">
             <mc:AlternateContent xmlns:mc="http://schemas.openxmlformats.org/markup-compatibility/2006">
               <mc:Choice xmlns:v="urn:schemas-microsoft-com:vml" Requires="v">
-                <p:oleObj spid="_x0000_s4163" name="Уравнение" r:id="rId5" imgW="1320227" imgH="571252" progId="Equation.3">
+                <p:oleObj spid="_x0000_s4175" name="Уравнение" r:id="rId5" imgW="1320227" imgH="571252" progId="Equation.3">
                   <p:embed/>
                 </p:oleObj>
               </mc:Choice>
@@ -4441,7 +4433,7 @@
           <a:graphicData uri="http://schemas.openxmlformats.org/presentationml/2006/ole">
             <mc:AlternateContent xmlns:mc="http://schemas.openxmlformats.org/markup-compatibility/2006">
               <mc:Choice xmlns:v="urn:schemas-microsoft-com:vml" Requires="v">
-                <p:oleObj spid="_x0000_s4164" name="Уравнение" r:id="rId7" imgW="1294838" imgH="545863" progId="Equation.3">
+                <p:oleObj spid="_x0000_s4176" name="Уравнение" r:id="rId7" imgW="1294838" imgH="545863" progId="Equation.3">
                   <p:embed/>
                 </p:oleObj>
               </mc:Choice>
@@ -4610,7 +4602,7 @@
           <a:graphicData uri="http://schemas.openxmlformats.org/presentationml/2006/ole">
             <mc:AlternateContent xmlns:mc="http://schemas.openxmlformats.org/markup-compatibility/2006">
               <mc:Choice xmlns:v="urn:schemas-microsoft-com:vml" Requires="v">
-                <p:oleObj spid="_x0000_s4165" name="Уравнение" r:id="rId9" imgW="1905000" imgH="1193800" progId="Equation.3">
+                <p:oleObj spid="_x0000_s4177" name="Уравнение" r:id="rId9" imgW="1905000" imgH="1193800" progId="Equation.3">
                   <p:embed/>
                 </p:oleObj>
               </mc:Choice>
@@ -6244,7 +6236,7 @@
           <a:graphicData uri="http://schemas.openxmlformats.org/presentationml/2006/ole">
             <mc:AlternateContent xmlns:mc="http://schemas.openxmlformats.org/markup-compatibility/2006">
               <mc:Choice xmlns:v="urn:schemas-microsoft-com:vml" Requires="v">
-                <p:oleObj spid="_x0000_s3127" name="Уравнение" r:id="rId3" imgW="2463800" imgH="1193800" progId="Equation.3">
+                <p:oleObj spid="_x0000_s3133" name="Уравнение" r:id="rId3" imgW="2463800" imgH="1193800" progId="Equation.3">
                   <p:embed/>
                 </p:oleObj>
               </mc:Choice>
@@ -6383,7 +6375,7 @@
           <a:graphicData uri="http://schemas.openxmlformats.org/presentationml/2006/ole">
             <mc:AlternateContent xmlns:mc="http://schemas.openxmlformats.org/markup-compatibility/2006">
               <mc:Choice xmlns:v="urn:schemas-microsoft-com:vml" Requires="v">
-                <p:oleObj spid="_x0000_s3128" name="Уравнение" r:id="rId5" imgW="2946400" imgH="1193800" progId="Equation.3">
+                <p:oleObj spid="_x0000_s3134" name="Уравнение" r:id="rId5" imgW="2946400" imgH="1193800" progId="Equation.3">
                   <p:embed/>
                 </p:oleObj>
               </mc:Choice>
@@ -6567,14 +6559,6 @@
               </a:rPr>
               <a:t>Факторный анализ (ФА) и Метод Главных Компонент (МГК)</a:t>
             </a:r>
-            <a:endParaRPr lang="ru-RU" sz="2800" i="1" dirty="0">
-              <a:solidFill>
-                <a:schemeClr val="tx2">
-                  <a:lumMod val="60000"/>
-                  <a:lumOff val="40000"/>
-                </a:schemeClr>
-              </a:solidFill>
-            </a:endParaRPr>
           </a:p>
         </p:txBody>
       </p:sp>
@@ -6742,14 +6726,6 @@
               </a:rPr>
               <a:t>Статистический подход выявления информативных признаков</a:t>
             </a:r>
-            <a:endParaRPr lang="ru-RU" sz="2800" i="1" dirty="0">
-              <a:solidFill>
-                <a:schemeClr val="tx2">
-                  <a:lumMod val="60000"/>
-                  <a:lumOff val="40000"/>
-                </a:schemeClr>
-              </a:solidFill>
-            </a:endParaRPr>
           </a:p>
         </p:txBody>
       </p:sp>
@@ -6949,7 +6925,7 @@
           <a:graphicData uri="http://schemas.openxmlformats.org/presentationml/2006/ole">
             <mc:AlternateContent xmlns:mc="http://schemas.openxmlformats.org/markup-compatibility/2006">
               <mc:Choice xmlns:v="urn:schemas-microsoft-com:vml" Requires="v">
-                <p:oleObj spid="_x0000_s5272" name="Уравнение" r:id="rId4" imgW="634449" imgH="266469" progId="Equation.3">
+                <p:oleObj spid="_x0000_s5287" name="Уравнение" r:id="rId4" imgW="634449" imgH="266469" progId="Equation.3">
                   <p:embed/>
                 </p:oleObj>
               </mc:Choice>
@@ -7247,7 +7223,7 @@
           <a:graphicData uri="http://schemas.openxmlformats.org/presentationml/2006/ole">
             <mc:AlternateContent xmlns:mc="http://schemas.openxmlformats.org/markup-compatibility/2006">
               <mc:Choice xmlns:v="urn:schemas-microsoft-com:vml" Requires="v">
-                <p:oleObj spid="_x0000_s5273" name="Уравнение" r:id="rId7" imgW="1612900" imgH="546100" progId="Equation.3">
+                <p:oleObj spid="_x0000_s5288" name="Уравнение" r:id="rId7" imgW="1612900" imgH="546100" progId="Equation.3">
                   <p:embed/>
                 </p:oleObj>
               </mc:Choice>
@@ -7377,7 +7353,7 @@
           <a:graphicData uri="http://schemas.openxmlformats.org/presentationml/2006/ole">
             <mc:AlternateContent xmlns:mc="http://schemas.openxmlformats.org/markup-compatibility/2006">
               <mc:Choice xmlns:v="urn:schemas-microsoft-com:vml" Requires="v">
-                <p:oleObj spid="_x0000_s5274" name="Уравнение" r:id="rId9" imgW="3898900" imgH="457200" progId="Equation.3">
+                <p:oleObj spid="_x0000_s5289" name="Уравнение" r:id="rId9" imgW="3898900" imgH="457200" progId="Equation.3">
                   <p:embed/>
                 </p:oleObj>
               </mc:Choice>
@@ -7444,7 +7420,7 @@
           <a:graphicData uri="http://schemas.openxmlformats.org/presentationml/2006/ole">
             <mc:AlternateContent xmlns:mc="http://schemas.openxmlformats.org/markup-compatibility/2006">
               <mc:Choice xmlns:v="urn:schemas-microsoft-com:vml" Requires="v">
-                <p:oleObj spid="_x0000_s5275" name="Уравнение" r:id="rId11" imgW="215619" imgH="266353" progId="Equation.3">
+                <p:oleObj spid="_x0000_s5290" name="Уравнение" r:id="rId11" imgW="215619" imgH="266353" progId="Equation.3">
                   <p:embed/>
                 </p:oleObj>
               </mc:Choice>
@@ -7512,7 +7488,7 @@
           <a:graphicData uri="http://schemas.openxmlformats.org/presentationml/2006/ole">
             <mc:AlternateContent xmlns:mc="http://schemas.openxmlformats.org/markup-compatibility/2006">
               <mc:Choice xmlns:v="urn:schemas-microsoft-com:vml" Requires="v">
-                <p:oleObj spid="_x0000_s5276" name="Уравнение" r:id="rId13" imgW="355292" imgH="304536" progId="Equation.3">
+                <p:oleObj spid="_x0000_s5291" name="Уравнение" r:id="rId13" imgW="355292" imgH="304536" progId="Equation.3">
                   <p:embed/>
                 </p:oleObj>
               </mc:Choice>
@@ -7637,21 +7613,7 @@
                 <a:latin typeface="Arial" panose="020B0604020202020204" pitchFamily="34" charset="0"/>
                 <a:ea typeface="Times New Roman" panose="02020603050405020304" pitchFamily="18" charset="0"/>
               </a:rPr>
-              <a:t>Гипотеза о независимости отвергается с уровнем </a:t>
-            </a:r>
-            <a:r>
-              <a:rPr kumimoji="0" lang="ru-RU" altLang="ru-RU" sz="2000" b="0" i="0" u="none" strike="noStrike" cap="none" normalizeH="0" baseline="0" dirty="0" smtClean="0">
-                <a:ln>
-                  <a:noFill/>
-                </a:ln>
-                <a:solidFill>
-                  <a:schemeClr val="tx1"/>
-                </a:solidFill>
-                <a:effectLst/>
-                <a:latin typeface="Arial" panose="020B0604020202020204" pitchFamily="34" charset="0"/>
-                <a:ea typeface="Times New Roman" panose="02020603050405020304" pitchFamily="18" charset="0"/>
-              </a:rPr>
-              <a:t>значимости</a:t>
+              <a:t>Гипотеза о независимости отвергается с уровнем значимости</a:t>
             </a:r>
             <a:r>
               <a:rPr kumimoji="0" lang="en-US" altLang="ru-RU" sz="2000" b="0" i="0" u="none" strike="noStrike" cap="none" normalizeH="0" baseline="0" dirty="0" smtClean="0">
@@ -8052,14 +8014,6 @@
               </a:rPr>
               <a:t>Частный случай Хи-квадрат критерия</a:t>
             </a:r>
-            <a:endParaRPr lang="ru-RU" sz="2800" i="1" dirty="0">
-              <a:solidFill>
-                <a:schemeClr val="tx2">
-                  <a:lumMod val="60000"/>
-                  <a:lumOff val="40000"/>
-                </a:schemeClr>
-              </a:solidFill>
-            </a:endParaRPr>
           </a:p>
         </p:txBody>
       </p:sp>
@@ -8343,7 +8297,7 @@
           <a:graphicData uri="http://schemas.openxmlformats.org/presentationml/2006/ole">
             <mc:AlternateContent xmlns:mc="http://schemas.openxmlformats.org/markup-compatibility/2006">
               <mc:Choice xmlns:v="urn:schemas-microsoft-com:vml" Requires="v">
-                <p:oleObj spid="_x0000_s6249" name="Уравнение" r:id="rId4" imgW="5080000" imgH="533400" progId="Equation.3">
+                <p:oleObj spid="_x0000_s6267" name="Уравнение" r:id="rId4" imgW="5080000" imgH="533400" progId="Equation.3">
                   <p:embed/>
                 </p:oleObj>
               </mc:Choice>
@@ -8410,7 +8364,7 @@
           <a:graphicData uri="http://schemas.openxmlformats.org/presentationml/2006/ole">
             <mc:AlternateContent xmlns:mc="http://schemas.openxmlformats.org/markup-compatibility/2006">
               <mc:Choice xmlns:v="urn:schemas-microsoft-com:vml" Requires="v">
-                <p:oleObj spid="_x0000_s6250" name="Уравнение" r:id="rId6" imgW="2641600" imgH="520700" progId="Equation.3">
+                <p:oleObj spid="_x0000_s6268" name="Уравнение" r:id="rId6" imgW="2641600" imgH="520700" progId="Equation.3">
                   <p:embed/>
                 </p:oleObj>
               </mc:Choice>
@@ -8477,7 +8431,7 @@
           <a:graphicData uri="http://schemas.openxmlformats.org/presentationml/2006/ole">
             <mc:AlternateContent xmlns:mc="http://schemas.openxmlformats.org/markup-compatibility/2006">
               <mc:Choice xmlns:v="urn:schemas-microsoft-com:vml" Requires="v">
-                <p:oleObj spid="_x0000_s6251" name="Уравнение" r:id="rId8" imgW="2628900" imgH="457200" progId="Equation.3">
+                <p:oleObj spid="_x0000_s6269" name="Уравнение" r:id="rId8" imgW="2628900" imgH="457200" progId="Equation.3">
                   <p:embed/>
                 </p:oleObj>
               </mc:Choice>
@@ -8544,7 +8498,7 @@
           <a:graphicData uri="http://schemas.openxmlformats.org/presentationml/2006/ole">
             <mc:AlternateContent xmlns:mc="http://schemas.openxmlformats.org/markup-compatibility/2006">
               <mc:Choice xmlns:v="urn:schemas-microsoft-com:vml" Requires="v">
-                <p:oleObj spid="_x0000_s6252" name="Уравнение" r:id="rId10" imgW="2197100" imgH="457200" progId="Equation.3">
+                <p:oleObj spid="_x0000_s6270" name="Уравнение" r:id="rId10" imgW="2197100" imgH="457200" progId="Equation.3">
                   <p:embed/>
                 </p:oleObj>
               </mc:Choice>
@@ -8650,13 +8604,8 @@
           <a:p>
             <a:r>
               <a:rPr lang="ru-RU" sz="2000" dirty="0" smtClean="0"/>
-              <a:t>Недостатки       - </a:t>
-            </a:r>
-            <a:r>
-              <a:rPr lang="ru-RU" sz="2000" dirty="0" smtClean="0"/>
-              <a:t>критерия:</a:t>
-            </a:r>
-            <a:endParaRPr lang="ru-RU" sz="2000" dirty="0" smtClean="0"/>
+              <a:t>Недостатки       - критерия:</a:t>
+            </a:r>
           </a:p>
           <a:p>
             <a:pPr marL="285750" indent="-285750">
@@ -8705,7 +8654,7 @@
           <a:graphicData uri="http://schemas.openxmlformats.org/presentationml/2006/ole">
             <mc:AlternateContent xmlns:mc="http://schemas.openxmlformats.org/markup-compatibility/2006">
               <mc:Choice xmlns:v="urn:schemas-microsoft-com:vml" Requires="v">
-                <p:oleObj spid="_x0000_s6253" name="Уравнение" r:id="rId12" imgW="787320" imgH="393480" progId="Equation.3">
+                <p:oleObj spid="_x0000_s6271" name="Уравнение" r:id="rId12" imgW="787320" imgH="393480" progId="Equation.3">
                   <p:embed/>
                 </p:oleObj>
               </mc:Choice>
@@ -8766,7 +8715,7 @@
           <a:graphicData uri="http://schemas.openxmlformats.org/presentationml/2006/ole">
             <mc:AlternateContent xmlns:mc="http://schemas.openxmlformats.org/markup-compatibility/2006">
               <mc:Choice xmlns:v="urn:schemas-microsoft-com:vml" Requires="v">
-                <p:oleObj spid="_x0000_s6254" name="Уравнение" r:id="rId14" imgW="215619" imgH="266353" progId="Equation.3">
+                <p:oleObj spid="_x0000_s6272" name="Уравнение" r:id="rId14" imgW="215619" imgH="266353" progId="Equation.3">
                   <p:embed/>
                 </p:oleObj>
               </mc:Choice>
@@ -8957,7 +8906,7 @@
         </p:nvSpPr>
         <p:spPr>
           <a:xfrm>
-            <a:off x="475344" y="1211413"/>
+            <a:off x="475344" y="1617805"/>
             <a:ext cx="9869946" cy="369332"/>
           </a:xfrm>
           <a:prstGeom prst="rect">
@@ -9063,20 +9012,20 @@
           <p:nvPr>
             <p:extLst>
               <p:ext uri="{D42A27DB-BD31-4B8C-83A1-F6EECF244321}">
-                <p14:modId xmlns:p14="http://schemas.microsoft.com/office/powerpoint/2010/main" val="3006572074"/>
+                <p14:modId xmlns:p14="http://schemas.microsoft.com/office/powerpoint/2010/main" val="3849363486"/>
               </p:ext>
             </p:extLst>
           </p:nvPr>
         </p:nvGraphicFramePr>
         <p:xfrm>
-          <a:off x="520496" y="1790947"/>
+          <a:off x="520496" y="2197339"/>
           <a:ext cx="2701925" cy="314325"/>
         </p:xfrm>
         <a:graphic>
           <a:graphicData uri="http://schemas.openxmlformats.org/presentationml/2006/ole">
             <mc:AlternateContent xmlns:mc="http://schemas.openxmlformats.org/markup-compatibility/2006">
               <mc:Choice xmlns:v="urn:schemas-microsoft-com:vml" Requires="v">
-                <p:oleObj spid="_x0000_s7257" name="Уравнение" r:id="rId3" imgW="1752480" imgH="203040" progId="Equation.3">
+                <p:oleObj spid="_x0000_s7272" name="Уравнение" r:id="rId3" imgW="1752480" imgH="203040" progId="Equation.3">
                   <p:embed/>
                 </p:oleObj>
               </mc:Choice>
@@ -9100,7 +9049,7 @@
                     </p:blipFill>
                     <p:spPr bwMode="auto">
                       <a:xfrm>
-                        <a:off x="520496" y="1790947"/>
+                        <a:off x="520496" y="2197339"/>
                         <a:ext cx="2701925" cy="314325"/>
                       </a:xfrm>
                       <a:prstGeom prst="rect">
@@ -9125,7 +9074,7 @@
         </p:nvSpPr>
         <p:spPr bwMode="auto">
           <a:xfrm>
-            <a:off x="3403600" y="1790572"/>
+            <a:off x="3403600" y="2196964"/>
             <a:ext cx="638176" cy="369332"/>
           </a:xfrm>
           <a:prstGeom prst="rect">
@@ -9230,20 +9179,20 @@
           <p:nvPr>
             <p:extLst>
               <p:ext uri="{D42A27DB-BD31-4B8C-83A1-F6EECF244321}">
-                <p14:modId xmlns:p14="http://schemas.microsoft.com/office/powerpoint/2010/main" val="1912209693"/>
+                <p14:modId xmlns:p14="http://schemas.microsoft.com/office/powerpoint/2010/main" val="483048111"/>
               </p:ext>
             </p:extLst>
           </p:nvPr>
         </p:nvGraphicFramePr>
         <p:xfrm>
-          <a:off x="3986009" y="1818074"/>
+          <a:off x="3986009" y="2224466"/>
           <a:ext cx="1833563" cy="314325"/>
         </p:xfrm>
         <a:graphic>
           <a:graphicData uri="http://schemas.openxmlformats.org/presentationml/2006/ole">
             <mc:AlternateContent xmlns:mc="http://schemas.openxmlformats.org/markup-compatibility/2006">
               <mc:Choice xmlns:v="urn:schemas-microsoft-com:vml" Requires="v">
-                <p:oleObj spid="_x0000_s7258" name="Уравнение" r:id="rId5" imgW="1333500" imgH="228600" progId="Equation.3">
+                <p:oleObj spid="_x0000_s7273" name="Уравнение" r:id="rId5" imgW="1333500" imgH="228600" progId="Equation.3">
                   <p:embed/>
                 </p:oleObj>
               </mc:Choice>
@@ -9273,7 +9222,7 @@
                     </p:blipFill>
                     <p:spPr bwMode="auto">
                       <a:xfrm>
-                        <a:off x="3986009" y="1818074"/>
+                        <a:off x="3986009" y="2224466"/>
                         <a:ext cx="1833563" cy="314325"/>
                       </a:xfrm>
                       <a:prstGeom prst="rect">
@@ -9298,7 +9247,7 @@
         </p:nvSpPr>
         <p:spPr bwMode="auto">
           <a:xfrm>
-            <a:off x="5819570" y="1790572"/>
+            <a:off x="5819570" y="2196964"/>
             <a:ext cx="4831002" cy="369332"/>
           </a:xfrm>
           <a:prstGeom prst="rect">
@@ -9403,20 +9352,20 @@
           <p:nvPr>
             <p:extLst>
               <p:ext uri="{D42A27DB-BD31-4B8C-83A1-F6EECF244321}">
-                <p14:modId xmlns:p14="http://schemas.microsoft.com/office/powerpoint/2010/main" val="1796090379"/>
+                <p14:modId xmlns:p14="http://schemas.microsoft.com/office/powerpoint/2010/main" val="251899723"/>
               </p:ext>
             </p:extLst>
           </p:nvPr>
         </p:nvGraphicFramePr>
         <p:xfrm>
-          <a:off x="517326" y="2439914"/>
+          <a:off x="517326" y="2846306"/>
           <a:ext cx="6083401" cy="688223"/>
         </p:xfrm>
         <a:graphic>
           <a:graphicData uri="http://schemas.openxmlformats.org/presentationml/2006/ole">
             <mc:AlternateContent xmlns:mc="http://schemas.openxmlformats.org/markup-compatibility/2006">
               <mc:Choice xmlns:v="urn:schemas-microsoft-com:vml" Requires="v">
-                <p:oleObj spid="_x0000_s7259" name="Уравнение" r:id="rId7" imgW="4711700" imgH="533400" progId="Equation.3">
+                <p:oleObj spid="_x0000_s7274" name="Уравнение" r:id="rId7" imgW="4711700" imgH="533400" progId="Equation.3">
                   <p:embed/>
                 </p:oleObj>
               </mc:Choice>
@@ -9446,7 +9395,7 @@
                     </p:blipFill>
                     <p:spPr bwMode="auto">
                       <a:xfrm>
-                        <a:off x="517326" y="2439914"/>
+                        <a:off x="517326" y="2846306"/>
                         <a:ext cx="6083401" cy="688223"/>
                       </a:xfrm>
                       <a:prstGeom prst="rect">
@@ -9533,20 +9482,20 @@
           <p:nvPr>
             <p:extLst>
               <p:ext uri="{D42A27DB-BD31-4B8C-83A1-F6EECF244321}">
-                <p14:modId xmlns:p14="http://schemas.microsoft.com/office/powerpoint/2010/main" val="2229964685"/>
+                <p14:modId xmlns:p14="http://schemas.microsoft.com/office/powerpoint/2010/main" val="2708692276"/>
               </p:ext>
             </p:extLst>
           </p:nvPr>
         </p:nvGraphicFramePr>
         <p:xfrm>
-          <a:off x="517320" y="3516470"/>
+          <a:off x="517320" y="3922862"/>
           <a:ext cx="6033128" cy="331365"/>
         </p:xfrm>
         <a:graphic>
           <a:graphicData uri="http://schemas.openxmlformats.org/presentationml/2006/ole">
             <mc:AlternateContent xmlns:mc="http://schemas.openxmlformats.org/markup-compatibility/2006">
               <mc:Choice xmlns:v="urn:schemas-microsoft-com:vml" Requires="v">
-                <p:oleObj spid="_x0000_s7260" name="Уравнение" r:id="rId9" imgW="5029200" imgH="279400" progId="Equation.3">
+                <p:oleObj spid="_x0000_s7275" name="Уравнение" r:id="rId9" imgW="5029200" imgH="279400" progId="Equation.3">
                   <p:embed/>
                 </p:oleObj>
               </mc:Choice>
@@ -9576,7 +9525,7 @@
                     </p:blipFill>
                     <p:spPr bwMode="auto">
                       <a:xfrm>
-                        <a:off x="517320" y="3516470"/>
+                        <a:off x="517320" y="3922862"/>
                         <a:ext cx="6033128" cy="331365"/>
                       </a:xfrm>
                       <a:prstGeom prst="rect">
@@ -9663,20 +9612,20 @@
           <p:nvPr>
             <p:extLst>
               <p:ext uri="{D42A27DB-BD31-4B8C-83A1-F6EECF244321}">
-                <p14:modId xmlns:p14="http://schemas.microsoft.com/office/powerpoint/2010/main" val="54696901"/>
+                <p14:modId xmlns:p14="http://schemas.microsoft.com/office/powerpoint/2010/main" val="3305780608"/>
               </p:ext>
             </p:extLst>
           </p:nvPr>
         </p:nvGraphicFramePr>
         <p:xfrm>
-          <a:off x="6892030" y="3516470"/>
+          <a:off x="6892030" y="3922862"/>
           <a:ext cx="1861727" cy="457070"/>
         </p:xfrm>
         <a:graphic>
           <a:graphicData uri="http://schemas.openxmlformats.org/presentationml/2006/ole">
             <mc:AlternateContent xmlns:mc="http://schemas.openxmlformats.org/markup-compatibility/2006">
               <mc:Choice xmlns:v="urn:schemas-microsoft-com:vml" Requires="v">
-                <p:oleObj spid="_x0000_s7261" name="Уравнение" r:id="rId11" imgW="1586811" imgH="393529" progId="Equation.3">
+                <p:oleObj spid="_x0000_s7276" name="Уравнение" r:id="rId11" imgW="1586811" imgH="393529" progId="Equation.3">
                   <p:embed/>
                 </p:oleObj>
               </mc:Choice>
@@ -9706,7 +9655,7 @@
                     </p:blipFill>
                     <p:spPr bwMode="auto">
                       <a:xfrm>
-                        <a:off x="6892030" y="3516470"/>
+                        <a:off x="6892030" y="3922862"/>
                         <a:ext cx="1861727" cy="457070"/>
                       </a:xfrm>
                       <a:prstGeom prst="rect">
@@ -9729,7 +9678,7 @@
         </p:nvSpPr>
         <p:spPr>
           <a:xfrm>
-            <a:off x="6591943" y="3516470"/>
+            <a:off x="6591943" y="3922862"/>
             <a:ext cx="300082" cy="369332"/>
           </a:xfrm>
           <a:prstGeom prst="rect">
@@ -9906,14 +9855,6 @@
               </a:rPr>
               <a:t> (2)</a:t>
             </a:r>
-            <a:endParaRPr lang="ru-RU" sz="3200" i="1" dirty="0">
-              <a:solidFill>
-                <a:schemeClr val="tx2">
-                  <a:lumMod val="60000"/>
-                  <a:lumOff val="40000"/>
-                </a:schemeClr>
-              </a:solidFill>
-            </a:endParaRPr>
           </a:p>
         </p:txBody>
       </p:sp>
@@ -10152,69 +10093,6 @@
           </a:p>
         </p:txBody>
       </p:sp>
-      <p:sp>
-        <p:nvSpPr>
-          <p:cNvPr id="20" name="Rectangle 18"/>
-          <p:cNvSpPr>
-            <a:spLocks noChangeArrowheads="1"/>
-          </p:cNvSpPr>
-          <p:nvPr/>
-        </p:nvSpPr>
-        <p:spPr bwMode="auto">
-          <a:xfrm>
-            <a:off x="1003197" y="4506170"/>
-            <a:ext cx="15033323" cy="369332"/>
-          </a:xfrm>
-          <a:prstGeom prst="rect">
-            <a:avLst/>
-          </a:prstGeom>
-          <a:noFill/>
-          <a:ln>
-            <a:noFill/>
-          </a:ln>
-          <a:effectLst/>
-          <a:extLst>
-            <a:ext uri="{909E8E84-426E-40DD-AFC4-6F175D3DCCD1}">
-              <a14:hiddenFill xmlns:a14="http://schemas.microsoft.com/office/drawing/2010/main">
-                <a:solidFill>
-                  <a:schemeClr val="accent1"/>
-                </a:solidFill>
-              </a14:hiddenFill>
-            </a:ext>
-            <a:ext uri="{91240B29-F687-4F45-9708-019B960494DF}">
-              <a14:hiddenLine xmlns:a14="http://schemas.microsoft.com/office/drawing/2010/main" w="9525">
-                <a:solidFill>
-                  <a:schemeClr val="tx1"/>
-                </a:solidFill>
-                <a:miter lim="800000"/>
-                <a:headEnd/>
-                <a:tailEnd/>
-              </a14:hiddenLine>
-            </a:ext>
-            <a:ext uri="{AF507438-7753-43E0-B8FC-AC1667EBCBE1}">
-              <a14:hiddenEffects xmlns:a14="http://schemas.microsoft.com/office/drawing/2010/main">
-                <a:effectLst>
-                  <a:outerShdw dist="35921" dir="2700000" algn="ctr" rotWithShape="0">
-                    <a:schemeClr val="bg2"/>
-                  </a:outerShdw>
-                </a:effectLst>
-              </a14:hiddenEffects>
-            </a:ext>
-          </a:extLst>
-        </p:spPr>
-        <p:txBody>
-          <a:bodyPr vert="horz" wrap="square" lIns="91440" tIns="45720" rIns="91440" bIns="45720" numCol="1" anchor="ctr" anchorCtr="0" compatLnSpc="1">
-            <a:prstTxWarp prst="textNoShape">
-              <a:avLst/>
-            </a:prstTxWarp>
-            <a:spAutoFit/>
-          </a:bodyPr>
-          <a:lstStyle/>
-          <a:p>
-            <a:endParaRPr lang="ru-RU"/>
-          </a:p>
-        </p:txBody>
-      </p:sp>
       <p:graphicFrame>
         <p:nvGraphicFramePr>
           <p:cNvPr id="3" name="Объект 2"/>
@@ -10237,7 +10115,7 @@
           <a:graphicData uri="http://schemas.openxmlformats.org/presentationml/2006/ole">
             <mc:AlternateContent xmlns:mc="http://schemas.openxmlformats.org/markup-compatibility/2006">
               <mc:Choice xmlns:v="urn:schemas-microsoft-com:vml" Requires="v">
-                <p:oleObj spid="_x0000_s8303" name="Уравнение" r:id="rId3" imgW="1155700" imgH="457200" progId="Equation.3">
+                <p:oleObj spid="_x0000_s8324" name="Уравнение" r:id="rId3" imgW="1155700" imgH="457200" progId="Equation.3">
                   <p:embed/>
                 </p:oleObj>
               </mc:Choice>
@@ -10304,7 +10182,7 @@
           <a:graphicData uri="http://schemas.openxmlformats.org/presentationml/2006/ole">
             <mc:AlternateContent xmlns:mc="http://schemas.openxmlformats.org/markup-compatibility/2006">
               <mc:Choice xmlns:v="urn:schemas-microsoft-com:vml" Requires="v">
-                <p:oleObj spid="_x0000_s8304" name="Уравнение" r:id="rId5" imgW="1155700" imgH="457200" progId="Equation.3">
+                <p:oleObj spid="_x0000_s8325" name="Уравнение" r:id="rId5" imgW="1155700" imgH="457200" progId="Equation.3">
                   <p:embed/>
                 </p:oleObj>
               </mc:Choice>
@@ -10371,7 +10249,7 @@
           <a:graphicData uri="http://schemas.openxmlformats.org/presentationml/2006/ole">
             <mc:AlternateContent xmlns:mc="http://schemas.openxmlformats.org/markup-compatibility/2006">
               <mc:Choice xmlns:v="urn:schemas-microsoft-com:vml" Requires="v">
-                <p:oleObj spid="_x0000_s8305" name="Уравнение" r:id="rId7" imgW="1117600" imgH="457200" progId="Equation.3">
+                <p:oleObj spid="_x0000_s8326" name="Уравнение" r:id="rId7" imgW="1117600" imgH="457200" progId="Equation.3">
                   <p:embed/>
                 </p:oleObj>
               </mc:Choice>
@@ -10603,7 +10481,7 @@
           <a:graphicData uri="http://schemas.openxmlformats.org/presentationml/2006/ole">
             <mc:AlternateContent xmlns:mc="http://schemas.openxmlformats.org/markup-compatibility/2006">
               <mc:Choice xmlns:v="urn:schemas-microsoft-com:vml" Requires="v">
-                <p:oleObj spid="_x0000_s8306" name="Уравнение" r:id="rId9" imgW="4838700" imgH="1130300" progId="Equation.3">
+                <p:oleObj spid="_x0000_s8327" name="Уравнение" r:id="rId9" imgW="4838700" imgH="1130300" progId="Equation.3">
                   <p:embed/>
                 </p:oleObj>
               </mc:Choice>
@@ -10657,20 +10535,20 @@
           <p:nvPr>
             <p:extLst>
               <p:ext uri="{D42A27DB-BD31-4B8C-83A1-F6EECF244321}">
-                <p14:modId xmlns:p14="http://schemas.microsoft.com/office/powerpoint/2010/main" val="551560428"/>
+                <p14:modId xmlns:p14="http://schemas.microsoft.com/office/powerpoint/2010/main" val="478377415"/>
               </p:ext>
             </p:extLst>
           </p:nvPr>
         </p:nvGraphicFramePr>
         <p:xfrm>
-          <a:off x="5543338" y="3039593"/>
+          <a:off x="5543338" y="2459033"/>
           <a:ext cx="4026335" cy="769075"/>
         </p:xfrm>
         <a:graphic>
           <a:graphicData uri="http://schemas.openxmlformats.org/presentationml/2006/ole">
             <mc:AlternateContent xmlns:mc="http://schemas.openxmlformats.org/markup-compatibility/2006">
               <mc:Choice xmlns:v="urn:schemas-microsoft-com:vml" Requires="v">
-                <p:oleObj spid="_x0000_s8307" name="Уравнение" r:id="rId11" imgW="2540000" imgH="482600" progId="Equation.3">
+                <p:oleObj spid="_x0000_s8328" name="Уравнение" r:id="rId11" imgW="2540000" imgH="482600" progId="Equation.3">
                   <p:embed/>
                 </p:oleObj>
               </mc:Choice>
@@ -10700,7 +10578,7 @@
                     </p:blipFill>
                     <p:spPr bwMode="auto">
                       <a:xfrm>
-                        <a:off x="5543338" y="3039593"/>
+                        <a:off x="5543338" y="2459033"/>
                         <a:ext cx="4026335" cy="769075"/>
                       </a:xfrm>
                       <a:prstGeom prst="rect">
@@ -10765,20 +10643,20 @@
           <p:nvPr>
             <p:extLst>
               <p:ext uri="{D42A27DB-BD31-4B8C-83A1-F6EECF244321}">
-                <p14:modId xmlns:p14="http://schemas.microsoft.com/office/powerpoint/2010/main" val="163308303"/>
+                <p14:modId xmlns:p14="http://schemas.microsoft.com/office/powerpoint/2010/main" val="2175685080"/>
               </p:ext>
             </p:extLst>
           </p:nvPr>
         </p:nvGraphicFramePr>
         <p:xfrm>
-          <a:off x="6730052" y="5082204"/>
+          <a:off x="6730052" y="4066224"/>
           <a:ext cx="3023423" cy="618172"/>
         </p:xfrm>
         <a:graphic>
           <a:graphicData uri="http://schemas.openxmlformats.org/presentationml/2006/ole">
             <mc:AlternateContent xmlns:mc="http://schemas.openxmlformats.org/markup-compatibility/2006">
               <mc:Choice xmlns:v="urn:schemas-microsoft-com:vml" Requires="v">
-                <p:oleObj spid="_x0000_s8308" name="Уравнение" r:id="rId13" imgW="2565400" imgH="520700" progId="Equation.3">
+                <p:oleObj spid="_x0000_s8329" name="Уравнение" r:id="rId13" imgW="2565400" imgH="520700" progId="Equation.3">
                   <p:embed/>
                 </p:oleObj>
               </mc:Choice>
@@ -10808,7 +10686,7 @@
                     </p:blipFill>
                     <p:spPr bwMode="auto">
                       <a:xfrm>
-                        <a:off x="6730052" y="5082204"/>
+                        <a:off x="6730052" y="4066224"/>
                         <a:ext cx="3023423" cy="618172"/>
                       </a:xfrm>
                       <a:prstGeom prst="rect">
@@ -10832,20 +10710,20 @@
           <p:nvPr>
             <p:extLst>
               <p:ext uri="{D42A27DB-BD31-4B8C-83A1-F6EECF244321}">
-                <p14:modId xmlns:p14="http://schemas.microsoft.com/office/powerpoint/2010/main" val="2172084872"/>
+                <p14:modId xmlns:p14="http://schemas.microsoft.com/office/powerpoint/2010/main" val="2402407754"/>
               </p:ext>
             </p:extLst>
           </p:nvPr>
         </p:nvGraphicFramePr>
         <p:xfrm>
-          <a:off x="6730051" y="5822300"/>
+          <a:off x="6730051" y="4806320"/>
           <a:ext cx="2769724" cy="538246"/>
         </p:xfrm>
         <a:graphic>
           <a:graphicData uri="http://schemas.openxmlformats.org/presentationml/2006/ole">
             <mc:AlternateContent xmlns:mc="http://schemas.openxmlformats.org/markup-compatibility/2006">
               <mc:Choice xmlns:v="urn:schemas-microsoft-com:vml" Requires="v">
-                <p:oleObj spid="_x0000_s8309" name="Уравнение" r:id="rId15" imgW="2349500" imgH="457200" progId="Equation.3">
+                <p:oleObj spid="_x0000_s8330" name="Уравнение" r:id="rId15" imgW="2349500" imgH="457200" progId="Equation.3">
                   <p:embed/>
                 </p:oleObj>
               </mc:Choice>
@@ -10875,7 +10753,7 @@
                     </p:blipFill>
                     <p:spPr bwMode="auto">
                       <a:xfrm>
-                        <a:off x="6730051" y="5822300"/>
+                        <a:off x="6730051" y="4806320"/>
                         <a:ext cx="2769724" cy="538246"/>
                       </a:xfrm>
                       <a:prstGeom prst="rect">
@@ -10898,8 +10776,8 @@
         </p:nvSpPr>
         <p:spPr>
           <a:xfrm>
-            <a:off x="7823199" y="4059008"/>
-            <a:ext cx="538648" cy="723315"/>
+            <a:off x="7823199" y="3478449"/>
+            <a:ext cx="538648" cy="447162"/>
           </a:xfrm>
           <a:prstGeom prst="downArrow">
             <a:avLst/>
@@ -10927,6 +10805,36 @@
           <a:p>
             <a:pPr algn="ctr"/>
             <a:endParaRPr lang="ru-RU"/>
+          </a:p>
+        </p:txBody>
+      </p:sp>
+      <p:sp>
+        <p:nvSpPr>
+          <p:cNvPr id="21" name="TextBox 20"/>
+          <p:cNvSpPr txBox="1"/>
+          <p:nvPr/>
+        </p:nvSpPr>
+        <p:spPr>
+          <a:xfrm>
+            <a:off x="5057537" y="5514891"/>
+            <a:ext cx="6800634" cy="646331"/>
+          </a:xfrm>
+          <a:prstGeom prst="rect">
+            <a:avLst/>
+          </a:prstGeom>
+          <a:noFill/>
+        </p:spPr>
+        <p:txBody>
+          <a:bodyPr wrap="square" rtlCol="0">
+            <a:spAutoFit/>
+          </a:bodyPr>
+          <a:lstStyle/>
+          <a:p>
+            <a:r>
+              <a:rPr lang="ru-RU" dirty="0" smtClean="0"/>
+              <a:t>Данный критерий, в отличие от Хи-квадрат, большие веса дает редким признакам</a:t>
+            </a:r>
+            <a:endParaRPr lang="ru-RU" dirty="0"/>
           </a:p>
         </p:txBody>
       </p:sp>
@@ -11000,14 +10908,6 @@
               </a:rPr>
               <a:t>Меры близости и расстояния</a:t>
             </a:r>
-            <a:endParaRPr lang="ru-RU" sz="4000" i="1" dirty="0">
-              <a:solidFill>
-                <a:schemeClr val="tx2">
-                  <a:lumMod val="60000"/>
-                  <a:lumOff val="40000"/>
-                </a:schemeClr>
-              </a:solidFill>
-            </a:endParaRPr>
           </a:p>
         </p:txBody>
       </p:sp>
@@ -11079,7 +10979,7 @@
           <a:graphicData uri="http://schemas.openxmlformats.org/presentationml/2006/ole">
             <mc:AlternateContent xmlns:mc="http://schemas.openxmlformats.org/markup-compatibility/2006">
               <mc:Choice xmlns:v="urn:schemas-microsoft-com:vml" Requires="v">
-                <p:oleObj spid="_x0000_s9269" name="Уравнение" r:id="rId3" imgW="2171700" imgH="558800" progId="Equation.3">
+                <p:oleObj spid="_x0000_s9278" name="Уравнение" r:id="rId3" imgW="2171700" imgH="558800" progId="Equation.3">
                   <p:embed/>
                 </p:oleObj>
               </mc:Choice>
@@ -11176,7 +11076,7 @@
           <a:graphicData uri="http://schemas.openxmlformats.org/presentationml/2006/ole">
             <mc:AlternateContent xmlns:mc="http://schemas.openxmlformats.org/markup-compatibility/2006">
               <mc:Choice xmlns:v="urn:schemas-microsoft-com:vml" Requires="v">
-                <p:oleObj spid="_x0000_s9270" name="Уравнение" r:id="rId5" imgW="1943100" imgH="520700" progId="Equation.3">
+                <p:oleObj spid="_x0000_s9279" name="Уравнение" r:id="rId5" imgW="1943100" imgH="520700" progId="Equation.3">
                   <p:embed/>
                 </p:oleObj>
               </mc:Choice>
@@ -11336,7 +11236,7 @@
           <a:graphicData uri="http://schemas.openxmlformats.org/presentationml/2006/ole">
             <mc:AlternateContent xmlns:mc="http://schemas.openxmlformats.org/markup-compatibility/2006">
               <mc:Choice xmlns:v="urn:schemas-microsoft-com:vml" Requires="v">
-                <p:oleObj spid="_x0000_s9271" name="Уравнение" r:id="rId7" imgW="3492500" imgH="1054100" progId="Equation.3">
+                <p:oleObj spid="_x0000_s9280" name="Уравнение" r:id="rId7" imgW="3492500" imgH="1054100" progId="Equation.3">
                   <p:embed/>
                 </p:oleObj>
               </mc:Choice>
@@ -11739,7 +11639,7 @@
           <a:lstStyle/>
           <a:p>
             <a:r>
-              <a:rPr lang="ru-RU" sz="4000" i="1" dirty="0">
+              <a:rPr lang="ru-RU" sz="3200" i="1" dirty="0">
                 <a:solidFill>
                   <a:schemeClr val="tx2">
                     <a:lumMod val="60000"/>
@@ -11747,16 +11647,30 @@
                   </a:schemeClr>
                 </a:solidFill>
               </a:rPr>
-              <a:t>Формирование обучающих выборок</a:t>
-            </a:r>
-            <a:endParaRPr lang="ru-RU" sz="4000" i="1" dirty="0">
-              <a:solidFill>
-                <a:schemeClr val="tx2">
-                  <a:lumMod val="60000"/>
-                  <a:lumOff val="40000"/>
-                </a:schemeClr>
-              </a:solidFill>
-            </a:endParaRPr>
+              <a:t>Формирование </a:t>
+            </a:r>
+            <a:r>
+              <a:rPr lang="ru-RU" sz="3200" i="1" dirty="0" smtClean="0">
+                <a:solidFill>
+                  <a:schemeClr val="tx2">
+                    <a:lumMod val="60000"/>
+                    <a:lumOff val="40000"/>
+                  </a:schemeClr>
+                </a:solidFill>
+              </a:rPr>
+              <a:t>обучающих и экзаменационных </a:t>
+            </a:r>
+            <a:r>
+              <a:rPr lang="ru-RU" sz="3200" i="1" dirty="0">
+                <a:solidFill>
+                  <a:schemeClr val="tx2">
+                    <a:lumMod val="60000"/>
+                    <a:lumOff val="40000"/>
+                  </a:schemeClr>
+                </a:solidFill>
+              </a:rPr>
+              <a:t>выборок</a:t>
+            </a:r>
           </a:p>
         </p:txBody>
       </p:sp>
@@ -11772,8 +11686,8 @@
         </p:nvSpPr>
         <p:spPr>
           <a:xfrm>
-            <a:off x="838200" y="990608"/>
-            <a:ext cx="10515600" cy="4045857"/>
+            <a:off x="838200" y="1059541"/>
+            <a:ext cx="10515600" cy="4049486"/>
           </a:xfrm>
         </p:spPr>
         <p:txBody>
@@ -11792,15 +11706,7 @@
             </a:r>
             <a:r>
               <a:rPr lang="ru-RU" dirty="0" smtClean="0"/>
-              <a:t> сильно зависит от того, как были сформированы </a:t>
-            </a:r>
-            <a:r>
-              <a:rPr lang="ru-RU" dirty="0" smtClean="0"/>
-              <a:t>обучающие выборки</a:t>
-            </a:r>
-            <a:r>
-              <a:rPr lang="ru-RU" dirty="0" smtClean="0"/>
-              <a:t>.</a:t>
+              <a:t> сильно зависит от того, как были сформированы обучающие выборки.</a:t>
             </a:r>
           </a:p>
           <a:p>
@@ -11906,7 +11812,7 @@
         </p:nvSpPr>
         <p:spPr>
           <a:xfrm>
-            <a:off x="812805" y="5328146"/>
+            <a:off x="812805" y="5386202"/>
             <a:ext cx="10972801" cy="830997"/>
           </a:xfrm>
           <a:prstGeom prst="rect">
@@ -12002,14 +11908,6 @@
               </a:rPr>
               <a:t>Как оценить выборку?</a:t>
             </a:r>
-            <a:endParaRPr lang="ru-RU" sz="4000" i="1" dirty="0">
-              <a:solidFill>
-                <a:schemeClr val="tx2">
-                  <a:lumMod val="60000"/>
-                  <a:lumOff val="40000"/>
-                </a:schemeClr>
-              </a:solidFill>
-            </a:endParaRPr>
           </a:p>
         </p:txBody>
       </p:sp>
@@ -12199,11 +12097,7 @@
             </a:r>
             <a:r>
               <a:rPr lang="ru-RU" sz="2400" dirty="0" smtClean="0"/>
-              <a:t>) модель 	</a:t>
-            </a:r>
-            <a:r>
-              <a:rPr lang="ru-RU" sz="2400" dirty="0" smtClean="0"/>
-              <a:t>  Модель рассеяния 		Модель засорения</a:t>
+              <a:t>) модель 	  Модель рассеяния 		Модель засорения</a:t>
             </a:r>
             <a:endParaRPr lang="ru-RU" sz="2400" dirty="0"/>
           </a:p>
@@ -12294,7 +12188,7 @@
           <a:graphicData uri="http://schemas.openxmlformats.org/presentationml/2006/ole">
             <mc:AlternateContent xmlns:mc="http://schemas.openxmlformats.org/markup-compatibility/2006">
               <mc:Choice xmlns:v="urn:schemas-microsoft-com:vml" Requires="v">
-                <p:oleObj spid="_x0000_s10311" name="Уравнение" r:id="rId5" imgW="1752600" imgH="558800" progId="Equation.3">
+                <p:oleObj spid="_x0000_s10323" name="Уравнение" r:id="rId5" imgW="1752600" imgH="558800" progId="Equation.3">
                   <p:embed/>
                 </p:oleObj>
               </mc:Choice>
@@ -12361,7 +12255,7 @@
           <a:graphicData uri="http://schemas.openxmlformats.org/presentationml/2006/ole">
             <mc:AlternateContent xmlns:mc="http://schemas.openxmlformats.org/markup-compatibility/2006">
               <mc:Choice xmlns:v="urn:schemas-microsoft-com:vml" Requires="v">
-                <p:oleObj spid="_x0000_s10312" name="Уравнение" r:id="rId7" imgW="2120900" imgH="546100" progId="Equation.3">
+                <p:oleObj spid="_x0000_s10324" name="Уравнение" r:id="rId7" imgW="2120900" imgH="546100" progId="Equation.3">
                   <p:embed/>
                 </p:oleObj>
               </mc:Choice>
@@ -12585,7 +12479,7 @@
           <a:graphicData uri="http://schemas.openxmlformats.org/presentationml/2006/ole">
             <mc:AlternateContent xmlns:mc="http://schemas.openxmlformats.org/markup-compatibility/2006">
               <mc:Choice xmlns:v="urn:schemas-microsoft-com:vml" Requires="v">
-                <p:oleObj spid="_x0000_s10313" name="Уравнение" r:id="rId9" imgW="2222500" imgH="546100" progId="Equation.3">
+                <p:oleObj spid="_x0000_s10325" name="Уравнение" r:id="rId9" imgW="2222500" imgH="546100" progId="Equation.3">
                   <p:embed/>
                 </p:oleObj>
               </mc:Choice>
@@ -12715,7 +12609,7 @@
           <a:graphicData uri="http://schemas.openxmlformats.org/presentationml/2006/ole">
             <mc:AlternateContent xmlns:mc="http://schemas.openxmlformats.org/markup-compatibility/2006">
               <mc:Choice xmlns:v="urn:schemas-microsoft-com:vml" Requires="v">
-                <p:oleObj spid="_x0000_s10314" name="Уравнение" r:id="rId11" imgW="2540000" imgH="546100" progId="Equation.3">
+                <p:oleObj spid="_x0000_s10326" name="Уравнение" r:id="rId11" imgW="2540000" imgH="546100" progId="Equation.3">
                   <p:embed/>
                 </p:oleObj>
               </mc:Choice>
@@ -13865,7 +13759,7 @@
           <a:graphicData uri="http://schemas.openxmlformats.org/presentationml/2006/ole">
             <mc:AlternateContent xmlns:mc="http://schemas.openxmlformats.org/markup-compatibility/2006">
               <mc:Choice xmlns:v="urn:schemas-microsoft-com:vml" Requires="v">
-                <p:oleObj spid="_x0000_s11295" name="Уравнение" r:id="rId3" imgW="2311400" imgH="546100" progId="Equation.3">
+                <p:oleObj spid="_x0000_s11304" name="Уравнение" r:id="rId3" imgW="2311400" imgH="546100" progId="Equation.3">
                   <p:embed/>
                 </p:oleObj>
               </mc:Choice>
@@ -13932,7 +13826,7 @@
           <a:graphicData uri="http://schemas.openxmlformats.org/presentationml/2006/ole">
             <mc:AlternateContent xmlns:mc="http://schemas.openxmlformats.org/markup-compatibility/2006">
               <mc:Choice xmlns:v="urn:schemas-microsoft-com:vml" Requires="v">
-                <p:oleObj spid="_x0000_s11296" name="Уравнение" r:id="rId5" imgW="3187700" imgH="558800" progId="Equation.3">
+                <p:oleObj spid="_x0000_s11305" name="Уравнение" r:id="rId5" imgW="3187700" imgH="558800" progId="Equation.3">
                   <p:embed/>
                 </p:oleObj>
               </mc:Choice>
@@ -13999,7 +13893,7 @@
           <a:graphicData uri="http://schemas.openxmlformats.org/presentationml/2006/ole">
             <mc:AlternateContent xmlns:mc="http://schemas.openxmlformats.org/markup-compatibility/2006">
               <mc:Choice xmlns:v="urn:schemas-microsoft-com:vml" Requires="v">
-                <p:oleObj spid="_x0000_s11297" name="Уравнение" r:id="rId7" imgW="660400" imgH="508000" progId="Equation.3">
+                <p:oleObj spid="_x0000_s11306" name="Уравнение" r:id="rId7" imgW="660400" imgH="508000" progId="Equation.3">
                   <p:embed/>
                 </p:oleObj>
               </mc:Choice>
@@ -14161,19 +14055,7 @@
               <a:rPr lang="ru-RU" sz="2400" dirty="0" smtClean="0">
                 <a:ea typeface="Times New Roman" panose="02020603050405020304" pitchFamily="18" charset="0"/>
               </a:rPr>
-              <a:t>На основе такого анализа исследователь может: 1) объединить несколько близких небольших классов в один; 2) удалить “нехарактерные” шумовые элементы, расположенные вдалеке от центра </a:t>
-            </a:r>
-            <a:r>
-              <a:rPr lang="ru-RU" sz="2400" dirty="0" smtClean="0">
-                <a:ea typeface="Times New Roman" panose="02020603050405020304" pitchFamily="18" charset="0"/>
-              </a:rPr>
-              <a:t>классов (модель засорения); </a:t>
-            </a:r>
-            <a:r>
-              <a:rPr lang="ru-RU" sz="2400" dirty="0" smtClean="0">
-                <a:ea typeface="Times New Roman" panose="02020603050405020304" pitchFamily="18" charset="0"/>
-              </a:rPr>
-              <a:t>3) заново сформировать выборку, увеличив (уменьшив) количество классов или количество элементов.</a:t>
+              <a:t>На основе такого анализа исследователь может: 1) объединить несколько близких небольших классов в один; 2) удалить “нехарактерные” шумовые элементы, расположенные вдалеке от центра классов (модель засорения); 3) заново сформировать выборку, увеличив (уменьшив) количество классов или количество элементов.</a:t>
             </a:r>
             <a:endParaRPr lang="ru-RU" sz="2400" dirty="0"/>
           </a:p>
@@ -14295,14 +14177,6 @@
               </a:rPr>
               <a:t>Свойства сформированных выборок</a:t>
             </a:r>
-            <a:endParaRPr lang="ru-RU" sz="4000" i="1" dirty="0">
-              <a:solidFill>
-                <a:schemeClr val="tx2">
-                  <a:lumMod val="60000"/>
-                  <a:lumOff val="40000"/>
-                </a:schemeClr>
-              </a:solidFill>
-            </a:endParaRPr>
           </a:p>
         </p:txBody>
       </p:sp>
@@ -14577,7 +14451,7 @@
             <p:spPr>
               <a:xfrm>
                 <a:off x="420913" y="2307776"/>
-                <a:ext cx="5950859" cy="3681649"/>
+                <a:ext cx="5950859" cy="4050981"/>
               </a:xfrm>
               <a:prstGeom prst="rect">
                 <a:avLst/>
@@ -14592,7 +14466,11 @@
               <a:p>
                 <a:r>
                   <a:rPr lang="ru-RU" sz="2400" dirty="0" smtClean="0"/>
-                  <a:t>Точность (правильность) </a:t>
+                  <a:t>Точность (</a:t>
+                </a:r>
+                <a:r>
+                  <a:rPr lang="ru-RU" sz="2400" dirty="0" smtClean="0"/>
+                  <a:t>правильность, аккуратность) </a:t>
                 </a:r>
                 <a:r>
                   <a:rPr lang="en-US" sz="2400" dirty="0" smtClean="0"/>
@@ -14774,7 +14652,7 @@
               <a:p>
                 <a:r>
                   <a:rPr lang="en-US" sz="2400" dirty="0" smtClean="0"/>
-                  <a:t>F-measure F</a:t>
+                  <a:t>F</a:t>
                 </a:r>
                 <a14:m>
                   <m:oMath xmlns:m="http://schemas.openxmlformats.org/officeDocument/2006/math">
@@ -14879,7 +14757,7 @@
             <p:spPr>
               <a:xfrm>
                 <a:off x="420913" y="2307776"/>
-                <a:ext cx="5950859" cy="3681649"/>
+                <a:ext cx="5950859" cy="4050981"/>
               </a:xfrm>
               <a:prstGeom prst="rect">
                 <a:avLst/>
@@ -14887,7 +14765,7 @@
               <a:blipFill rotWithShape="1">
                 <a:blip r:embed="rId2"/>
                 <a:stretch>
-                  <a:fillRect l="-1537" b="-828"/>
+                  <a:fillRect l="-1537" t="-1205" b="-753"/>
                 </a:stretch>
               </a:blipFill>
             </p:spPr>
@@ -15318,8 +15196,8 @@
         </p:nvSpPr>
         <p:spPr>
           <a:xfrm>
-            <a:off x="420916" y="1654627"/>
-            <a:ext cx="11103429" cy="4078516"/>
+            <a:off x="420916" y="2423885"/>
+            <a:ext cx="11103429" cy="3744685"/>
           </a:xfrm>
           <a:prstGeom prst="rect">
             <a:avLst/>
@@ -15496,8 +15374,33 @@
           <a:p>
             <a:r>
               <a:rPr lang="ru-RU" i="1" dirty="0" smtClean="0"/>
-              <a:t>Оценка точности по экзаменационным выборкам</a:t>
-            </a:r>
+              <a:t>Оценка точности по экзаменационным </a:t>
+            </a:r>
+            <a:r>
+              <a:rPr lang="ru-RU" i="1" dirty="0" smtClean="0"/>
+              <a:t>выборкам. </a:t>
+            </a:r>
+            <a:r>
+              <a:rPr lang="en-US" i="1" dirty="0" smtClean="0"/>
+              <a:t>N</a:t>
+            </a:r>
+            <a:r>
+              <a:rPr lang="ru-RU" sz="1800" i="1" dirty="0" err="1" smtClean="0"/>
+              <a:t>обуч</a:t>
+            </a:r>
+            <a:r>
+              <a:rPr lang="ru-RU" i="1" dirty="0" smtClean="0"/>
+              <a:t> </a:t>
+            </a:r>
+            <a:r>
+              <a:rPr lang="en-US" i="1" dirty="0" smtClean="0"/>
+              <a:t>&gt; N</a:t>
+            </a:r>
+            <a:r>
+              <a:rPr lang="ru-RU" sz="1800" i="1" dirty="0" err="1" smtClean="0"/>
+              <a:t>экзам</a:t>
+            </a:r>
+            <a:endParaRPr lang="ru-RU" i="1" dirty="0" smtClean="0"/>
           </a:p>
           <a:p>
             <a:endParaRPr lang="en-US" i="1" dirty="0" smtClean="0"/>
@@ -15642,10 +15545,18 @@
           <a:lstStyle/>
           <a:p>
             <a:r>
-              <a:rPr lang="ru-RU" smtClean="0"/>
-              <a:t>НИУ "МЭИ", Каф. УиИ, 2017</a:t>
-            </a:r>
-            <a:endParaRPr lang="ru-RU"/>
+              <a:rPr lang="ru-RU" dirty="0" smtClean="0"/>
+              <a:t>НИУ "МЭИ", Каф. </a:t>
+            </a:r>
+            <a:r>
+              <a:rPr lang="ru-RU" dirty="0" err="1" smtClean="0"/>
+              <a:t>УиИ</a:t>
+            </a:r>
+            <a:r>
+              <a:rPr lang="ru-RU" dirty="0" smtClean="0"/>
+              <a:t>, 2017</a:t>
+            </a:r>
+            <a:endParaRPr lang="ru-RU" dirty="0"/>
           </a:p>
         </p:txBody>
       </p:sp>
@@ -15669,6 +15580,36 @@
               <a:t>23</a:t>
             </a:fld>
             <a:endParaRPr lang="ru-RU"/>
+          </a:p>
+        </p:txBody>
+      </p:sp>
+      <p:sp>
+        <p:nvSpPr>
+          <p:cNvPr id="2" name="TextBox 1"/>
+          <p:cNvSpPr txBox="1"/>
+          <p:nvPr/>
+        </p:nvSpPr>
+        <p:spPr>
+          <a:xfrm>
+            <a:off x="420916" y="797578"/>
+            <a:ext cx="11103429" cy="1384995"/>
+          </a:xfrm>
+          <a:prstGeom prst="rect">
+            <a:avLst/>
+          </a:prstGeom>
+          <a:noFill/>
+        </p:spPr>
+        <p:txBody>
+          <a:bodyPr wrap="square" rtlCol="0">
+            <a:spAutoFit/>
+          </a:bodyPr>
+          <a:lstStyle/>
+          <a:p>
+            <a:r>
+              <a:rPr lang="ru-RU" sz="2800" dirty="0" smtClean="0"/>
+              <a:t>Часть  размеченных документов оставляют для обучения, часть – для оценки точности метода. Обычно используют следующие методы оценки:</a:t>
+            </a:r>
+            <a:endParaRPr lang="ru-RU" sz="2800" dirty="0"/>
           </a:p>
         </p:txBody>
       </p:sp>
@@ -15742,14 +15683,6 @@
               </a:rPr>
               <a:t>Онтологии и тезаурусы</a:t>
             </a:r>
-            <a:endParaRPr lang="ru-RU" sz="4000" i="1" dirty="0">
-              <a:solidFill>
-                <a:schemeClr val="tx2">
-                  <a:lumMod val="60000"/>
-                  <a:lumOff val="40000"/>
-                </a:schemeClr>
-              </a:solidFill>
-            </a:endParaRPr>
           </a:p>
         </p:txBody>
       </p:sp>
@@ -16587,14 +16520,6 @@
               </a:rPr>
               <a:t>Что такое текст?</a:t>
             </a:r>
-            <a:endParaRPr lang="ru-RU" i="1" dirty="0">
-              <a:solidFill>
-                <a:schemeClr val="tx2">
-                  <a:lumMod val="60000"/>
-                  <a:lumOff val="40000"/>
-                </a:schemeClr>
-              </a:solidFill>
-            </a:endParaRPr>
           </a:p>
         </p:txBody>
       </p:sp>
@@ -16759,14 +16684,6 @@
               </a:rPr>
               <a:t>Модели представления текстовых документов</a:t>
             </a:r>
-            <a:endParaRPr lang="ru-RU" sz="3600" i="1" dirty="0">
-              <a:solidFill>
-                <a:schemeClr val="tx2">
-                  <a:lumMod val="60000"/>
-                  <a:lumOff val="40000"/>
-                </a:schemeClr>
-              </a:solidFill>
-            </a:endParaRPr>
           </a:p>
         </p:txBody>
       </p:sp>
@@ -17147,14 +17064,6 @@
               </a:rPr>
               <a:t>Как документ представляется в математическом виде?</a:t>
             </a:r>
-            <a:endParaRPr lang="ru-RU" sz="3200" i="1" dirty="0">
-              <a:solidFill>
-                <a:schemeClr val="tx2">
-                  <a:lumMod val="60000"/>
-                  <a:lumOff val="40000"/>
-                </a:schemeClr>
-              </a:solidFill>
-            </a:endParaRPr>
           </a:p>
         </p:txBody>
       </p:sp>
@@ -17226,7 +17135,7 @@
           <a:graphicData uri="http://schemas.openxmlformats.org/presentationml/2006/ole">
             <mc:AlternateContent xmlns:mc="http://schemas.openxmlformats.org/markup-compatibility/2006">
               <mc:Choice xmlns:v="urn:schemas-microsoft-com:vml" Requires="v">
-                <p:oleObj spid="_x0000_s1112" name="Уравнение" r:id="rId4" imgW="774360" imgH="1168200" progId="Equation.3">
+                <p:oleObj spid="_x0000_s1121" name="Уравнение" r:id="rId4" imgW="774360" imgH="1168200" progId="Equation.3">
                   <p:embed/>
                 </p:oleObj>
               </mc:Choice>
@@ -17296,7 +17205,7 @@
           <a:graphicData uri="http://schemas.openxmlformats.org/presentationml/2006/ole">
             <mc:AlternateContent xmlns:mc="http://schemas.openxmlformats.org/markup-compatibility/2006">
               <mc:Choice xmlns:v="urn:schemas-microsoft-com:vml" Requires="v">
-                <p:oleObj spid="_x0000_s1113" name="Уравнение" r:id="rId6" imgW="228600" imgH="253800" progId="Equation.3">
+                <p:oleObj spid="_x0000_s1122" name="Уравнение" r:id="rId6" imgW="228600" imgH="253800" progId="Equation.3">
                   <p:embed/>
                 </p:oleObj>
               </mc:Choice>
@@ -17581,7 +17490,7 @@
           <a:graphicData uri="http://schemas.openxmlformats.org/presentationml/2006/ole">
             <mc:AlternateContent xmlns:mc="http://schemas.openxmlformats.org/markup-compatibility/2006">
               <mc:Choice xmlns:v="urn:schemas-microsoft-com:vml" Requires="v">
-                <p:oleObj spid="_x0000_s1114" name="Уравнение" r:id="rId8" imgW="1346040" imgH="838080" progId="Equation.3">
+                <p:oleObj spid="_x0000_s1123" name="Уравнение" r:id="rId8" imgW="1346040" imgH="838080" progId="Equation.3">
                   <p:embed/>
                 </p:oleObj>
               </mc:Choice>
@@ -18156,14 +18065,6 @@
               </a:rPr>
               <a:t>Выявление информативных признаков</a:t>
             </a:r>
-            <a:endParaRPr lang="ru-RU" sz="3600" i="1" dirty="0">
-              <a:solidFill>
-                <a:schemeClr val="tx2">
-                  <a:lumMod val="60000"/>
-                  <a:lumOff val="40000"/>
-                </a:schemeClr>
-              </a:solidFill>
-            </a:endParaRPr>
           </a:p>
         </p:txBody>
       </p:sp>
@@ -18384,14 +18285,6 @@
               </a:rPr>
               <a:t>Предварительная обработка документов</a:t>
             </a:r>
-            <a:endParaRPr lang="ru-RU" sz="3600" i="1" dirty="0">
-              <a:solidFill>
-                <a:schemeClr val="tx2">
-                  <a:lumMod val="60000"/>
-                  <a:lumOff val="40000"/>
-                </a:schemeClr>
-              </a:solidFill>
-            </a:endParaRPr>
           </a:p>
         </p:txBody>
       </p:sp>

--- a/study/courses/iis/IIS_lec_2.pptx
+++ b/study/courses/iis/IIS_lec_2.pptx
@@ -29,8 +29,8 @@
     <p:sldId id="273" r:id="rId20"/>
     <p:sldId id="274" r:id="rId21"/>
     <p:sldId id="275" r:id="rId22"/>
-    <p:sldId id="276" r:id="rId23"/>
-    <p:sldId id="277" r:id="rId24"/>
+    <p:sldId id="277" r:id="rId23"/>
+    <p:sldId id="276" r:id="rId24"/>
   </p:sldIdLst>
   <p:sldSz cx="12192000" cy="6858000"/>
   <p:notesSz cx="6858000" cy="9144000"/>
@@ -131,7 +131,18 @@
   </p:defaultTextStyle>
   <p:extLst>
     <p:ext uri="{EFAFB233-063F-42B5-8137-9DF3F51BA10A}">
-      <p15:sldGuideLst xmlns="" xmlns:p15="http://schemas.microsoft.com/office/powerpoint/2012/main"/>
+      <p15:sldGuideLst xmlns:p15="http://schemas.microsoft.com/office/powerpoint/2012/main">
+        <p15:guide id="1" orient="horz" pos="2160">
+          <p15:clr>
+            <a:srgbClr val="A4A3A4"/>
+          </p15:clr>
+        </p15:guide>
+        <p15:guide id="2" pos="3840">
+          <p15:clr>
+            <a:srgbClr val="A4A3A4"/>
+          </p15:clr>
+        </p15:guide>
+      </p15:sldGuideLst>
     </p:ext>
   </p:extLst>
 </p:presentation>
@@ -219,7 +230,7 @@
           <a:p>
             <a:fld id="{62782DC0-A7C2-4D6B-A659-1A08DD2913BE}" type="datetimeFigureOut">
               <a:rPr lang="ru-RU" smtClean="0"/>
-              <a:t>15.09.2017</a:t>
+              <a:t>21.09.2017</a:t>
             </a:fld>
             <a:endParaRPr lang="ru-RU"/>
           </a:p>
@@ -668,7 +679,7 @@
           <a:p>
             <a:fld id="{4EDDABE8-6F76-41C8-B009-27E1CF092874}" type="datetime1">
               <a:rPr lang="ru-RU" smtClean="0"/>
-              <a:t>15.09.2017</a:t>
+              <a:t>21.09.2017</a:t>
             </a:fld>
             <a:endParaRPr lang="ru-RU"/>
           </a:p>
@@ -842,7 +853,7 @@
           <a:p>
             <a:fld id="{599A9CCE-63A0-4EEF-BBC8-913EC1BEF941}" type="datetime1">
               <a:rPr lang="ru-RU" smtClean="0"/>
-              <a:t>15.09.2017</a:t>
+              <a:t>21.09.2017</a:t>
             </a:fld>
             <a:endParaRPr lang="ru-RU"/>
           </a:p>
@@ -1026,7 +1037,7 @@
           <a:p>
             <a:fld id="{0593963B-4822-411F-8E3C-1423F6774503}" type="datetime1">
               <a:rPr lang="ru-RU" smtClean="0"/>
-              <a:t>15.09.2017</a:t>
+              <a:t>21.09.2017</a:t>
             </a:fld>
             <a:endParaRPr lang="ru-RU"/>
           </a:p>
@@ -1200,7 +1211,7 @@
           <a:p>
             <a:fld id="{995BA836-88CC-458A-AC97-77B0F1BFA1F2}" type="datetime1">
               <a:rPr lang="ru-RU" smtClean="0"/>
-              <a:t>15.09.2017</a:t>
+              <a:t>21.09.2017</a:t>
             </a:fld>
             <a:endParaRPr lang="ru-RU"/>
           </a:p>
@@ -1450,7 +1461,7 @@
           <a:p>
             <a:fld id="{23863B5E-E802-4570-8B54-E37573BF60E8}" type="datetime1">
               <a:rPr lang="ru-RU" smtClean="0"/>
-              <a:t>15.09.2017</a:t>
+              <a:t>21.09.2017</a:t>
             </a:fld>
             <a:endParaRPr lang="ru-RU"/>
           </a:p>
@@ -1742,7 +1753,7 @@
           <a:p>
             <a:fld id="{D9756B29-CA98-4454-9581-9696AAAEE3B8}" type="datetime1">
               <a:rPr lang="ru-RU" smtClean="0"/>
-              <a:t>15.09.2017</a:t>
+              <a:t>21.09.2017</a:t>
             </a:fld>
             <a:endParaRPr lang="ru-RU"/>
           </a:p>
@@ -2173,7 +2184,7 @@
           <a:p>
             <a:fld id="{41971359-3C03-4208-8C10-37618AD6AAF9}" type="datetime1">
               <a:rPr lang="ru-RU" smtClean="0"/>
-              <a:t>15.09.2017</a:t>
+              <a:t>21.09.2017</a:t>
             </a:fld>
             <a:endParaRPr lang="ru-RU"/>
           </a:p>
@@ -2295,7 +2306,7 @@
           <a:p>
             <a:fld id="{4CA44069-E999-40AB-A7D6-EB045B798918}" type="datetime1">
               <a:rPr lang="ru-RU" smtClean="0"/>
-              <a:t>15.09.2017</a:t>
+              <a:t>21.09.2017</a:t>
             </a:fld>
             <a:endParaRPr lang="ru-RU"/>
           </a:p>
@@ -2394,7 +2405,7 @@
           <a:p>
             <a:fld id="{5AA24ECE-E864-4882-BC26-C114F263A3FC}" type="datetime1">
               <a:rPr lang="ru-RU" smtClean="0"/>
-              <a:t>15.09.2017</a:t>
+              <a:t>21.09.2017</a:t>
             </a:fld>
             <a:endParaRPr lang="ru-RU"/>
           </a:p>
@@ -2675,7 +2686,7 @@
           <a:p>
             <a:fld id="{295BDA29-9429-4ADE-BC3F-9F7A3C7F2CED}" type="datetime1">
               <a:rPr lang="ru-RU" smtClean="0"/>
-              <a:t>15.09.2017</a:t>
+              <a:t>21.09.2017</a:t>
             </a:fld>
             <a:endParaRPr lang="ru-RU"/>
           </a:p>
@@ -2932,7 +2943,7 @@
           <a:p>
             <a:fld id="{0073F5EC-CA88-4D46-8013-20F61D2C7B5B}" type="datetime1">
               <a:rPr lang="ru-RU" smtClean="0"/>
-              <a:t>15.09.2017</a:t>
+              <a:t>21.09.2017</a:t>
             </a:fld>
             <a:endParaRPr lang="ru-RU"/>
           </a:p>
@@ -3149,7 +3160,7 @@
           <a:p>
             <a:fld id="{8E0BB943-7F87-404B-A19B-4EC5C3D17EF6}" type="datetime1">
               <a:rPr lang="ru-RU" smtClean="0"/>
-              <a:t>15.09.2017</a:t>
+              <a:t>21.09.2017</a:t>
             </a:fld>
             <a:endParaRPr lang="ru-RU"/>
           </a:p>
@@ -4082,7 +4093,7 @@
           <a:graphicData uri="http://schemas.openxmlformats.org/presentationml/2006/ole">
             <mc:AlternateContent xmlns:mc="http://schemas.openxmlformats.org/markup-compatibility/2006">
               <mc:Choice xmlns:v="urn:schemas-microsoft-com:vml" Requires="v">
-                <p:oleObj spid="_x0000_s4174" name="Уравнение" r:id="rId3" imgW="609336" imgH="291973" progId="Equation.3">
+                <p:oleObj spid="_x0000_s4178" name="Уравнение" r:id="rId3" imgW="609336" imgH="291973" progId="Equation.3">
                   <p:embed/>
                 </p:oleObj>
               </mc:Choice>
@@ -4149,7 +4160,7 @@
           <a:graphicData uri="http://schemas.openxmlformats.org/presentationml/2006/ole">
             <mc:AlternateContent xmlns:mc="http://schemas.openxmlformats.org/markup-compatibility/2006">
               <mc:Choice xmlns:v="urn:schemas-microsoft-com:vml" Requires="v">
-                <p:oleObj spid="_x0000_s4175" name="Уравнение" r:id="rId5" imgW="1320227" imgH="571252" progId="Equation.3">
+                <p:oleObj spid="_x0000_s4179" name="Уравнение" r:id="rId5" imgW="1320227" imgH="571252" progId="Equation.3">
                   <p:embed/>
                 </p:oleObj>
               </mc:Choice>
@@ -4433,7 +4444,7 @@
           <a:graphicData uri="http://schemas.openxmlformats.org/presentationml/2006/ole">
             <mc:AlternateContent xmlns:mc="http://schemas.openxmlformats.org/markup-compatibility/2006">
               <mc:Choice xmlns:v="urn:schemas-microsoft-com:vml" Requires="v">
-                <p:oleObj spid="_x0000_s4176" name="Уравнение" r:id="rId7" imgW="1294838" imgH="545863" progId="Equation.3">
+                <p:oleObj spid="_x0000_s4180" name="Уравнение" r:id="rId7" imgW="1294838" imgH="545863" progId="Equation.3">
                   <p:embed/>
                 </p:oleObj>
               </mc:Choice>
@@ -4602,7 +4613,7 @@
           <a:graphicData uri="http://schemas.openxmlformats.org/presentationml/2006/ole">
             <mc:AlternateContent xmlns:mc="http://schemas.openxmlformats.org/markup-compatibility/2006">
               <mc:Choice xmlns:v="urn:schemas-microsoft-com:vml" Requires="v">
-                <p:oleObj spid="_x0000_s4177" name="Уравнение" r:id="rId9" imgW="1905000" imgH="1193800" progId="Equation.3">
+                <p:oleObj spid="_x0000_s4181" name="Уравнение" r:id="rId9" imgW="1905000" imgH="1193800" progId="Equation.3">
                   <p:embed/>
                 </p:oleObj>
               </mc:Choice>
@@ -6236,7 +6247,7 @@
           <a:graphicData uri="http://schemas.openxmlformats.org/presentationml/2006/ole">
             <mc:AlternateContent xmlns:mc="http://schemas.openxmlformats.org/markup-compatibility/2006">
               <mc:Choice xmlns:v="urn:schemas-microsoft-com:vml" Requires="v">
-                <p:oleObj spid="_x0000_s3133" name="Уравнение" r:id="rId3" imgW="2463800" imgH="1193800" progId="Equation.3">
+                <p:oleObj spid="_x0000_s3135" name="Уравнение" r:id="rId3" imgW="2463800" imgH="1193800" progId="Equation.3">
                   <p:embed/>
                 </p:oleObj>
               </mc:Choice>
@@ -6375,7 +6386,7 @@
           <a:graphicData uri="http://schemas.openxmlformats.org/presentationml/2006/ole">
             <mc:AlternateContent xmlns:mc="http://schemas.openxmlformats.org/markup-compatibility/2006">
               <mc:Choice xmlns:v="urn:schemas-microsoft-com:vml" Requires="v">
-                <p:oleObj spid="_x0000_s3134" name="Уравнение" r:id="rId5" imgW="2946400" imgH="1193800" progId="Equation.3">
+                <p:oleObj spid="_x0000_s3136" name="Уравнение" r:id="rId5" imgW="2946400" imgH="1193800" progId="Equation.3">
                   <p:embed/>
                 </p:oleObj>
               </mc:Choice>
@@ -6925,7 +6936,7 @@
           <a:graphicData uri="http://schemas.openxmlformats.org/presentationml/2006/ole">
             <mc:AlternateContent xmlns:mc="http://schemas.openxmlformats.org/markup-compatibility/2006">
               <mc:Choice xmlns:v="urn:schemas-microsoft-com:vml" Requires="v">
-                <p:oleObj spid="_x0000_s5287" name="Уравнение" r:id="rId4" imgW="634449" imgH="266469" progId="Equation.3">
+                <p:oleObj spid="_x0000_s5292" name="Уравнение" r:id="rId4" imgW="634449" imgH="266469" progId="Equation.3">
                   <p:embed/>
                 </p:oleObj>
               </mc:Choice>
@@ -7047,7 +7058,7 @@
                       <m:sSubPr>
                         <m:ctrlPr>
                           <a:rPr lang="en-US" i="1">
-                            <a:latin typeface="Cambria Math"/>
+                            <a:latin typeface="Cambria Math" panose="02040503050406030204" pitchFamily="18" charset="0"/>
                           </a:rPr>
                         </m:ctrlPr>
                       </m:sSubPr>
@@ -7057,7 +7068,7 @@
                             <m:chr m:val="̂"/>
                             <m:ctrlPr>
                               <a:rPr lang="en-US" b="0" i="1" smtClean="0">
-                                <a:latin typeface="Cambria Math"/>
+                                <a:latin typeface="Cambria Math" panose="02040503050406030204" pitchFamily="18" charset="0"/>
                               </a:rPr>
                             </m:ctrlPr>
                           </m:accPr>
@@ -7223,7 +7234,7 @@
           <a:graphicData uri="http://schemas.openxmlformats.org/presentationml/2006/ole">
             <mc:AlternateContent xmlns:mc="http://schemas.openxmlformats.org/markup-compatibility/2006">
               <mc:Choice xmlns:v="urn:schemas-microsoft-com:vml" Requires="v">
-                <p:oleObj spid="_x0000_s5288" name="Уравнение" r:id="rId7" imgW="1612900" imgH="546100" progId="Equation.3">
+                <p:oleObj spid="_x0000_s5293" name="Уравнение" r:id="rId7" imgW="1612900" imgH="546100" progId="Equation.3">
                   <p:embed/>
                 </p:oleObj>
               </mc:Choice>
@@ -7353,7 +7364,7 @@
           <a:graphicData uri="http://schemas.openxmlformats.org/presentationml/2006/ole">
             <mc:AlternateContent xmlns:mc="http://schemas.openxmlformats.org/markup-compatibility/2006">
               <mc:Choice xmlns:v="urn:schemas-microsoft-com:vml" Requires="v">
-                <p:oleObj spid="_x0000_s5289" name="Уравнение" r:id="rId9" imgW="3898900" imgH="457200" progId="Equation.3">
+                <p:oleObj spid="_x0000_s5294" name="Уравнение" r:id="rId9" imgW="3898900" imgH="457200" progId="Equation.3">
                   <p:embed/>
                 </p:oleObj>
               </mc:Choice>
@@ -7420,7 +7431,7 @@
           <a:graphicData uri="http://schemas.openxmlformats.org/presentationml/2006/ole">
             <mc:AlternateContent xmlns:mc="http://schemas.openxmlformats.org/markup-compatibility/2006">
               <mc:Choice xmlns:v="urn:schemas-microsoft-com:vml" Requires="v">
-                <p:oleObj spid="_x0000_s5290" name="Уравнение" r:id="rId11" imgW="215619" imgH="266353" progId="Equation.3">
+                <p:oleObj spid="_x0000_s5295" name="Уравнение" r:id="rId11" imgW="215619" imgH="266353" progId="Equation.3">
                   <p:embed/>
                 </p:oleObj>
               </mc:Choice>
@@ -7488,7 +7499,7 @@
           <a:graphicData uri="http://schemas.openxmlformats.org/presentationml/2006/ole">
             <mc:AlternateContent xmlns:mc="http://schemas.openxmlformats.org/markup-compatibility/2006">
               <mc:Choice xmlns:v="urn:schemas-microsoft-com:vml" Requires="v">
-                <p:oleObj spid="_x0000_s5291" name="Уравнение" r:id="rId13" imgW="355292" imgH="304536" progId="Equation.3">
+                <p:oleObj spid="_x0000_s5296" name="Уравнение" r:id="rId13" imgW="355292" imgH="304536" progId="Equation.3">
                   <p:embed/>
                 </p:oleObj>
               </mc:Choice>
@@ -8297,7 +8308,7 @@
           <a:graphicData uri="http://schemas.openxmlformats.org/presentationml/2006/ole">
             <mc:AlternateContent xmlns:mc="http://schemas.openxmlformats.org/markup-compatibility/2006">
               <mc:Choice xmlns:v="urn:schemas-microsoft-com:vml" Requires="v">
-                <p:oleObj spid="_x0000_s6267" name="Уравнение" r:id="rId4" imgW="5080000" imgH="533400" progId="Equation.3">
+                <p:oleObj spid="_x0000_s6273" name="Уравнение" r:id="rId4" imgW="5080000" imgH="533400" progId="Equation.3">
                   <p:embed/>
                 </p:oleObj>
               </mc:Choice>
@@ -8364,7 +8375,7 @@
           <a:graphicData uri="http://schemas.openxmlformats.org/presentationml/2006/ole">
             <mc:AlternateContent xmlns:mc="http://schemas.openxmlformats.org/markup-compatibility/2006">
               <mc:Choice xmlns:v="urn:schemas-microsoft-com:vml" Requires="v">
-                <p:oleObj spid="_x0000_s6268" name="Уравнение" r:id="rId6" imgW="2641600" imgH="520700" progId="Equation.3">
+                <p:oleObj spid="_x0000_s6274" name="Уравнение" r:id="rId6" imgW="2641600" imgH="520700" progId="Equation.3">
                   <p:embed/>
                 </p:oleObj>
               </mc:Choice>
@@ -8431,7 +8442,7 @@
           <a:graphicData uri="http://schemas.openxmlformats.org/presentationml/2006/ole">
             <mc:AlternateContent xmlns:mc="http://schemas.openxmlformats.org/markup-compatibility/2006">
               <mc:Choice xmlns:v="urn:schemas-microsoft-com:vml" Requires="v">
-                <p:oleObj spid="_x0000_s6269" name="Уравнение" r:id="rId8" imgW="2628900" imgH="457200" progId="Equation.3">
+                <p:oleObj spid="_x0000_s6275" name="Уравнение" r:id="rId8" imgW="2628900" imgH="457200" progId="Equation.3">
                   <p:embed/>
                 </p:oleObj>
               </mc:Choice>
@@ -8498,7 +8509,7 @@
           <a:graphicData uri="http://schemas.openxmlformats.org/presentationml/2006/ole">
             <mc:AlternateContent xmlns:mc="http://schemas.openxmlformats.org/markup-compatibility/2006">
               <mc:Choice xmlns:v="urn:schemas-microsoft-com:vml" Requires="v">
-                <p:oleObj spid="_x0000_s6270" name="Уравнение" r:id="rId10" imgW="2197100" imgH="457200" progId="Equation.3">
+                <p:oleObj spid="_x0000_s6276" name="Уравнение" r:id="rId10" imgW="2197100" imgH="457200" progId="Equation.3">
                   <p:embed/>
                 </p:oleObj>
               </mc:Choice>
@@ -8654,7 +8665,7 @@
           <a:graphicData uri="http://schemas.openxmlformats.org/presentationml/2006/ole">
             <mc:AlternateContent xmlns:mc="http://schemas.openxmlformats.org/markup-compatibility/2006">
               <mc:Choice xmlns:v="urn:schemas-microsoft-com:vml" Requires="v">
-                <p:oleObj spid="_x0000_s6271" name="Уравнение" r:id="rId12" imgW="787320" imgH="393480" progId="Equation.3">
+                <p:oleObj spid="_x0000_s6277" name="Уравнение" r:id="rId12" imgW="787320" imgH="393480" progId="Equation.3">
                   <p:embed/>
                 </p:oleObj>
               </mc:Choice>
@@ -8715,7 +8726,7 @@
           <a:graphicData uri="http://schemas.openxmlformats.org/presentationml/2006/ole">
             <mc:AlternateContent xmlns:mc="http://schemas.openxmlformats.org/markup-compatibility/2006">
               <mc:Choice xmlns:v="urn:schemas-microsoft-com:vml" Requires="v">
-                <p:oleObj spid="_x0000_s6272" name="Уравнение" r:id="rId14" imgW="215619" imgH="266353" progId="Equation.3">
+                <p:oleObj spid="_x0000_s6278" name="Уравнение" r:id="rId14" imgW="215619" imgH="266353" progId="Equation.3">
                   <p:embed/>
                 </p:oleObj>
               </mc:Choice>
@@ -9025,7 +9036,7 @@
           <a:graphicData uri="http://schemas.openxmlformats.org/presentationml/2006/ole">
             <mc:AlternateContent xmlns:mc="http://schemas.openxmlformats.org/markup-compatibility/2006">
               <mc:Choice xmlns:v="urn:schemas-microsoft-com:vml" Requires="v">
-                <p:oleObj spid="_x0000_s7272" name="Уравнение" r:id="rId3" imgW="1752480" imgH="203040" progId="Equation.3">
+                <p:oleObj spid="_x0000_s7277" name="Уравнение" r:id="rId3" imgW="1752480" imgH="203040" progId="Equation.3">
                   <p:embed/>
                 </p:oleObj>
               </mc:Choice>
@@ -9192,7 +9203,7 @@
           <a:graphicData uri="http://schemas.openxmlformats.org/presentationml/2006/ole">
             <mc:AlternateContent xmlns:mc="http://schemas.openxmlformats.org/markup-compatibility/2006">
               <mc:Choice xmlns:v="urn:schemas-microsoft-com:vml" Requires="v">
-                <p:oleObj spid="_x0000_s7273" name="Уравнение" r:id="rId5" imgW="1333500" imgH="228600" progId="Equation.3">
+                <p:oleObj spid="_x0000_s7278" name="Уравнение" r:id="rId5" imgW="1333500" imgH="228600" progId="Equation.3">
                   <p:embed/>
                 </p:oleObj>
               </mc:Choice>
@@ -9365,7 +9376,7 @@
           <a:graphicData uri="http://schemas.openxmlformats.org/presentationml/2006/ole">
             <mc:AlternateContent xmlns:mc="http://schemas.openxmlformats.org/markup-compatibility/2006">
               <mc:Choice xmlns:v="urn:schemas-microsoft-com:vml" Requires="v">
-                <p:oleObj spid="_x0000_s7274" name="Уравнение" r:id="rId7" imgW="4711700" imgH="533400" progId="Equation.3">
+                <p:oleObj spid="_x0000_s7279" name="Уравнение" r:id="rId7" imgW="4711700" imgH="533400" progId="Equation.3">
                   <p:embed/>
                 </p:oleObj>
               </mc:Choice>
@@ -9495,7 +9506,7 @@
           <a:graphicData uri="http://schemas.openxmlformats.org/presentationml/2006/ole">
             <mc:AlternateContent xmlns:mc="http://schemas.openxmlformats.org/markup-compatibility/2006">
               <mc:Choice xmlns:v="urn:schemas-microsoft-com:vml" Requires="v">
-                <p:oleObj spid="_x0000_s7275" name="Уравнение" r:id="rId9" imgW="5029200" imgH="279400" progId="Equation.3">
+                <p:oleObj spid="_x0000_s7280" name="Уравнение" r:id="rId9" imgW="5029200" imgH="279400" progId="Equation.3">
                   <p:embed/>
                 </p:oleObj>
               </mc:Choice>
@@ -9625,7 +9636,7 @@
           <a:graphicData uri="http://schemas.openxmlformats.org/presentationml/2006/ole">
             <mc:AlternateContent xmlns:mc="http://schemas.openxmlformats.org/markup-compatibility/2006">
               <mc:Choice xmlns:v="urn:schemas-microsoft-com:vml" Requires="v">
-                <p:oleObj spid="_x0000_s7276" name="Уравнение" r:id="rId11" imgW="1586811" imgH="393529" progId="Equation.3">
+                <p:oleObj spid="_x0000_s7281" name="Уравнение" r:id="rId11" imgW="1586811" imgH="393529" progId="Equation.3">
                   <p:embed/>
                 </p:oleObj>
               </mc:Choice>
@@ -10115,7 +10126,7 @@
           <a:graphicData uri="http://schemas.openxmlformats.org/presentationml/2006/ole">
             <mc:AlternateContent xmlns:mc="http://schemas.openxmlformats.org/markup-compatibility/2006">
               <mc:Choice xmlns:v="urn:schemas-microsoft-com:vml" Requires="v">
-                <p:oleObj spid="_x0000_s8324" name="Уравнение" r:id="rId3" imgW="1155700" imgH="457200" progId="Equation.3">
+                <p:oleObj spid="_x0000_s8331" name="Уравнение" r:id="rId3" imgW="1155700" imgH="457200" progId="Equation.3">
                   <p:embed/>
                 </p:oleObj>
               </mc:Choice>
@@ -10182,7 +10193,7 @@
           <a:graphicData uri="http://schemas.openxmlformats.org/presentationml/2006/ole">
             <mc:AlternateContent xmlns:mc="http://schemas.openxmlformats.org/markup-compatibility/2006">
               <mc:Choice xmlns:v="urn:schemas-microsoft-com:vml" Requires="v">
-                <p:oleObj spid="_x0000_s8325" name="Уравнение" r:id="rId5" imgW="1155700" imgH="457200" progId="Equation.3">
+                <p:oleObj spid="_x0000_s8332" name="Уравнение" r:id="rId5" imgW="1155700" imgH="457200" progId="Equation.3">
                   <p:embed/>
                 </p:oleObj>
               </mc:Choice>
@@ -10249,7 +10260,7 @@
           <a:graphicData uri="http://schemas.openxmlformats.org/presentationml/2006/ole">
             <mc:AlternateContent xmlns:mc="http://schemas.openxmlformats.org/markup-compatibility/2006">
               <mc:Choice xmlns:v="urn:schemas-microsoft-com:vml" Requires="v">
-                <p:oleObj spid="_x0000_s8326" name="Уравнение" r:id="rId7" imgW="1117600" imgH="457200" progId="Equation.3">
+                <p:oleObj spid="_x0000_s8333" name="Уравнение" r:id="rId7" imgW="1117600" imgH="457200" progId="Equation.3">
                   <p:embed/>
                 </p:oleObj>
               </mc:Choice>
@@ -10481,7 +10492,7 @@
           <a:graphicData uri="http://schemas.openxmlformats.org/presentationml/2006/ole">
             <mc:AlternateContent xmlns:mc="http://schemas.openxmlformats.org/markup-compatibility/2006">
               <mc:Choice xmlns:v="urn:schemas-microsoft-com:vml" Requires="v">
-                <p:oleObj spid="_x0000_s8327" name="Уравнение" r:id="rId9" imgW="4838700" imgH="1130300" progId="Equation.3">
+                <p:oleObj spid="_x0000_s8334" name="Уравнение" r:id="rId9" imgW="4838700" imgH="1130300" progId="Equation.3">
                   <p:embed/>
                 </p:oleObj>
               </mc:Choice>
@@ -10548,7 +10559,7 @@
           <a:graphicData uri="http://schemas.openxmlformats.org/presentationml/2006/ole">
             <mc:AlternateContent xmlns:mc="http://schemas.openxmlformats.org/markup-compatibility/2006">
               <mc:Choice xmlns:v="urn:schemas-microsoft-com:vml" Requires="v">
-                <p:oleObj spid="_x0000_s8328" name="Уравнение" r:id="rId11" imgW="2540000" imgH="482600" progId="Equation.3">
+                <p:oleObj spid="_x0000_s8335" name="Уравнение" r:id="rId11" imgW="2540000" imgH="482600" progId="Equation.3">
                   <p:embed/>
                 </p:oleObj>
               </mc:Choice>
@@ -10656,7 +10667,7 @@
           <a:graphicData uri="http://schemas.openxmlformats.org/presentationml/2006/ole">
             <mc:AlternateContent xmlns:mc="http://schemas.openxmlformats.org/markup-compatibility/2006">
               <mc:Choice xmlns:v="urn:schemas-microsoft-com:vml" Requires="v">
-                <p:oleObj spid="_x0000_s8329" name="Уравнение" r:id="rId13" imgW="2565400" imgH="520700" progId="Equation.3">
+                <p:oleObj spid="_x0000_s8336" name="Уравнение" r:id="rId13" imgW="2565400" imgH="520700" progId="Equation.3">
                   <p:embed/>
                 </p:oleObj>
               </mc:Choice>
@@ -10723,7 +10734,7 @@
           <a:graphicData uri="http://schemas.openxmlformats.org/presentationml/2006/ole">
             <mc:AlternateContent xmlns:mc="http://schemas.openxmlformats.org/markup-compatibility/2006">
               <mc:Choice xmlns:v="urn:schemas-microsoft-com:vml" Requires="v">
-                <p:oleObj spid="_x0000_s8330" name="Уравнение" r:id="rId15" imgW="2349500" imgH="457200" progId="Equation.3">
+                <p:oleObj spid="_x0000_s8337" name="Уравнение" r:id="rId15" imgW="2349500" imgH="457200" progId="Equation.3">
                   <p:embed/>
                 </p:oleObj>
               </mc:Choice>
@@ -10979,7 +10990,7 @@
           <a:graphicData uri="http://schemas.openxmlformats.org/presentationml/2006/ole">
             <mc:AlternateContent xmlns:mc="http://schemas.openxmlformats.org/markup-compatibility/2006">
               <mc:Choice xmlns:v="urn:schemas-microsoft-com:vml" Requires="v">
-                <p:oleObj spid="_x0000_s9278" name="Уравнение" r:id="rId3" imgW="2171700" imgH="558800" progId="Equation.3">
+                <p:oleObj spid="_x0000_s9281" name="Уравнение" r:id="rId3" imgW="2171700" imgH="558800" progId="Equation.3">
                   <p:embed/>
                 </p:oleObj>
               </mc:Choice>
@@ -11076,7 +11087,7 @@
           <a:graphicData uri="http://schemas.openxmlformats.org/presentationml/2006/ole">
             <mc:AlternateContent xmlns:mc="http://schemas.openxmlformats.org/markup-compatibility/2006">
               <mc:Choice xmlns:v="urn:schemas-microsoft-com:vml" Requires="v">
-                <p:oleObj spid="_x0000_s9279" name="Уравнение" r:id="rId5" imgW="1943100" imgH="520700" progId="Equation.3">
+                <p:oleObj spid="_x0000_s9282" name="Уравнение" r:id="rId5" imgW="1943100" imgH="520700" progId="Equation.3">
                   <p:embed/>
                 </p:oleObj>
               </mc:Choice>
@@ -11236,7 +11247,7 @@
           <a:graphicData uri="http://schemas.openxmlformats.org/presentationml/2006/ole">
             <mc:AlternateContent xmlns:mc="http://schemas.openxmlformats.org/markup-compatibility/2006">
               <mc:Choice xmlns:v="urn:schemas-microsoft-com:vml" Requires="v">
-                <p:oleObj spid="_x0000_s9280" name="Уравнение" r:id="rId7" imgW="3492500" imgH="1054100" progId="Equation.3">
+                <p:oleObj spid="_x0000_s9283" name="Уравнение" r:id="rId7" imgW="3492500" imgH="1054100" progId="Equation.3">
                   <p:embed/>
                 </p:oleObj>
               </mc:Choice>
@@ -12188,7 +12199,7 @@
           <a:graphicData uri="http://schemas.openxmlformats.org/presentationml/2006/ole">
             <mc:AlternateContent xmlns:mc="http://schemas.openxmlformats.org/markup-compatibility/2006">
               <mc:Choice xmlns:v="urn:schemas-microsoft-com:vml" Requires="v">
-                <p:oleObj spid="_x0000_s10323" name="Уравнение" r:id="rId5" imgW="1752600" imgH="558800" progId="Equation.3">
+                <p:oleObj spid="_x0000_s10327" name="Уравнение" r:id="rId5" imgW="1752600" imgH="558800" progId="Equation.3">
                   <p:embed/>
                 </p:oleObj>
               </mc:Choice>
@@ -12255,7 +12266,7 @@
           <a:graphicData uri="http://schemas.openxmlformats.org/presentationml/2006/ole">
             <mc:AlternateContent xmlns:mc="http://schemas.openxmlformats.org/markup-compatibility/2006">
               <mc:Choice xmlns:v="urn:schemas-microsoft-com:vml" Requires="v">
-                <p:oleObj spid="_x0000_s10324" name="Уравнение" r:id="rId7" imgW="2120900" imgH="546100" progId="Equation.3">
+                <p:oleObj spid="_x0000_s10328" name="Уравнение" r:id="rId7" imgW="2120900" imgH="546100" progId="Equation.3">
                   <p:embed/>
                 </p:oleObj>
               </mc:Choice>
@@ -12479,7 +12490,7 @@
           <a:graphicData uri="http://schemas.openxmlformats.org/presentationml/2006/ole">
             <mc:AlternateContent xmlns:mc="http://schemas.openxmlformats.org/markup-compatibility/2006">
               <mc:Choice xmlns:v="urn:schemas-microsoft-com:vml" Requires="v">
-                <p:oleObj spid="_x0000_s10325" name="Уравнение" r:id="rId9" imgW="2222500" imgH="546100" progId="Equation.3">
+                <p:oleObj spid="_x0000_s10329" name="Уравнение" r:id="rId9" imgW="2222500" imgH="546100" progId="Equation.3">
                   <p:embed/>
                 </p:oleObj>
               </mc:Choice>
@@ -12609,7 +12620,7 @@
           <a:graphicData uri="http://schemas.openxmlformats.org/presentationml/2006/ole">
             <mc:AlternateContent xmlns:mc="http://schemas.openxmlformats.org/markup-compatibility/2006">
               <mc:Choice xmlns:v="urn:schemas-microsoft-com:vml" Requires="v">
-                <p:oleObj spid="_x0000_s10326" name="Уравнение" r:id="rId11" imgW="2540000" imgH="546100" progId="Equation.3">
+                <p:oleObj spid="_x0000_s10330" name="Уравнение" r:id="rId11" imgW="2540000" imgH="546100" progId="Equation.3">
                   <p:embed/>
                 </p:oleObj>
               </mc:Choice>
@@ -13759,7 +13770,7 @@
           <a:graphicData uri="http://schemas.openxmlformats.org/presentationml/2006/ole">
             <mc:AlternateContent xmlns:mc="http://schemas.openxmlformats.org/markup-compatibility/2006">
               <mc:Choice xmlns:v="urn:schemas-microsoft-com:vml" Requires="v">
-                <p:oleObj spid="_x0000_s11304" name="Уравнение" r:id="rId3" imgW="2311400" imgH="546100" progId="Equation.3">
+                <p:oleObj spid="_x0000_s11307" name="Уравнение" r:id="rId3" imgW="2311400" imgH="546100" progId="Equation.3">
                   <p:embed/>
                 </p:oleObj>
               </mc:Choice>
@@ -13826,7 +13837,7 @@
           <a:graphicData uri="http://schemas.openxmlformats.org/presentationml/2006/ole">
             <mc:AlternateContent xmlns:mc="http://schemas.openxmlformats.org/markup-compatibility/2006">
               <mc:Choice xmlns:v="urn:schemas-microsoft-com:vml" Requires="v">
-                <p:oleObj spid="_x0000_s11305" name="Уравнение" r:id="rId5" imgW="3187700" imgH="558800" progId="Equation.3">
+                <p:oleObj spid="_x0000_s11308" name="Уравнение" r:id="rId5" imgW="3187700" imgH="558800" progId="Equation.3">
                   <p:embed/>
                 </p:oleObj>
               </mc:Choice>
@@ -13893,7 +13904,7 @@
           <a:graphicData uri="http://schemas.openxmlformats.org/presentationml/2006/ole">
             <mc:AlternateContent xmlns:mc="http://schemas.openxmlformats.org/markup-compatibility/2006">
               <mc:Choice xmlns:v="urn:schemas-microsoft-com:vml" Requires="v">
-                <p:oleObj spid="_x0000_s11306" name="Уравнение" r:id="rId7" imgW="660400" imgH="508000" progId="Equation.3">
+                <p:oleObj spid="_x0000_s11309" name="Уравнение" r:id="rId7" imgW="660400" imgH="508000" progId="Equation.3">
                   <p:embed/>
                 </p:oleObj>
               </mc:Choice>
@@ -14312,7 +14323,280 @@
       </p:grpSpPr>
       <p:sp>
         <p:nvSpPr>
-          <p:cNvPr id="2" name="Заголовок 1"/>
+          <p:cNvPr id="4" name="Объект 2"/>
+          <p:cNvSpPr txBox="1">
+            <a:spLocks/>
+          </p:cNvSpPr>
+          <p:nvPr/>
+        </p:nvSpPr>
+        <p:spPr>
+          <a:xfrm>
+            <a:off x="420916" y="2423885"/>
+            <a:ext cx="11103429" cy="3744685"/>
+          </a:xfrm>
+          <a:prstGeom prst="rect">
+            <a:avLst/>
+          </a:prstGeom>
+        </p:spPr>
+        <p:txBody>
+          <a:bodyPr vert="horz" lIns="91440" tIns="45720" rIns="91440" bIns="45720" rtlCol="0">
+            <a:normAutofit/>
+          </a:bodyPr>
+          <a:lstStyle>
+            <a:lvl1pPr marL="228600" indent="-228600" algn="l" defTabSz="914400" rtl="0" eaLnBrk="1" latinLnBrk="0" hangingPunct="1">
+              <a:lnSpc>
+                <a:spcPct val="90000"/>
+              </a:lnSpc>
+              <a:spcBef>
+                <a:spcPts val="1000"/>
+              </a:spcBef>
+              <a:buFont typeface="Arial" panose="020B0604020202020204" pitchFamily="34" charset="0"/>
+              <a:buChar char="•"/>
+              <a:defRPr sz="2800" kern="1200">
+                <a:solidFill>
+                  <a:schemeClr val="tx1"/>
+                </a:solidFill>
+                <a:latin typeface="+mn-lt"/>
+                <a:ea typeface="+mn-ea"/>
+                <a:cs typeface="+mn-cs"/>
+              </a:defRPr>
+            </a:lvl1pPr>
+            <a:lvl2pPr marL="685800" indent="-228600" algn="l" defTabSz="914400" rtl="0" eaLnBrk="1" latinLnBrk="0" hangingPunct="1">
+              <a:lnSpc>
+                <a:spcPct val="90000"/>
+              </a:lnSpc>
+              <a:spcBef>
+                <a:spcPts val="500"/>
+              </a:spcBef>
+              <a:buFont typeface="Arial" panose="020B0604020202020204" pitchFamily="34" charset="0"/>
+              <a:buChar char="•"/>
+              <a:defRPr sz="2400" kern="1200">
+                <a:solidFill>
+                  <a:schemeClr val="tx1"/>
+                </a:solidFill>
+                <a:latin typeface="+mn-lt"/>
+                <a:ea typeface="+mn-ea"/>
+                <a:cs typeface="+mn-cs"/>
+              </a:defRPr>
+            </a:lvl2pPr>
+            <a:lvl3pPr marL="1143000" indent="-228600" algn="l" defTabSz="914400" rtl="0" eaLnBrk="1" latinLnBrk="0" hangingPunct="1">
+              <a:lnSpc>
+                <a:spcPct val="90000"/>
+              </a:lnSpc>
+              <a:spcBef>
+                <a:spcPts val="500"/>
+              </a:spcBef>
+              <a:buFont typeface="Arial" panose="020B0604020202020204" pitchFamily="34" charset="0"/>
+              <a:buChar char="•"/>
+              <a:defRPr sz="2000" kern="1200">
+                <a:solidFill>
+                  <a:schemeClr val="tx1"/>
+                </a:solidFill>
+                <a:latin typeface="+mn-lt"/>
+                <a:ea typeface="+mn-ea"/>
+                <a:cs typeface="+mn-cs"/>
+              </a:defRPr>
+            </a:lvl3pPr>
+            <a:lvl4pPr marL="1600200" indent="-228600" algn="l" defTabSz="914400" rtl="0" eaLnBrk="1" latinLnBrk="0" hangingPunct="1">
+              <a:lnSpc>
+                <a:spcPct val="90000"/>
+              </a:lnSpc>
+              <a:spcBef>
+                <a:spcPts val="500"/>
+              </a:spcBef>
+              <a:buFont typeface="Arial" panose="020B0604020202020204" pitchFamily="34" charset="0"/>
+              <a:buChar char="•"/>
+              <a:defRPr sz="1800" kern="1200">
+                <a:solidFill>
+                  <a:schemeClr val="tx1"/>
+                </a:solidFill>
+                <a:latin typeface="+mn-lt"/>
+                <a:ea typeface="+mn-ea"/>
+                <a:cs typeface="+mn-cs"/>
+              </a:defRPr>
+            </a:lvl4pPr>
+            <a:lvl5pPr marL="2057400" indent="-228600" algn="l" defTabSz="914400" rtl="0" eaLnBrk="1" latinLnBrk="0" hangingPunct="1">
+              <a:lnSpc>
+                <a:spcPct val="90000"/>
+              </a:lnSpc>
+              <a:spcBef>
+                <a:spcPts val="500"/>
+              </a:spcBef>
+              <a:buFont typeface="Arial" panose="020B0604020202020204" pitchFamily="34" charset="0"/>
+              <a:buChar char="•"/>
+              <a:defRPr sz="1800" kern="1200">
+                <a:solidFill>
+                  <a:schemeClr val="tx1"/>
+                </a:solidFill>
+                <a:latin typeface="+mn-lt"/>
+                <a:ea typeface="+mn-ea"/>
+                <a:cs typeface="+mn-cs"/>
+              </a:defRPr>
+            </a:lvl5pPr>
+            <a:lvl6pPr marL="2514600" indent="-228600" algn="l" defTabSz="914400" rtl="0" eaLnBrk="1" latinLnBrk="0" hangingPunct="1">
+              <a:lnSpc>
+                <a:spcPct val="90000"/>
+              </a:lnSpc>
+              <a:spcBef>
+                <a:spcPts val="500"/>
+              </a:spcBef>
+              <a:buFont typeface="Arial" panose="020B0604020202020204" pitchFamily="34" charset="0"/>
+              <a:buChar char="•"/>
+              <a:defRPr sz="1800" kern="1200">
+                <a:solidFill>
+                  <a:schemeClr val="tx1"/>
+                </a:solidFill>
+                <a:latin typeface="+mn-lt"/>
+                <a:ea typeface="+mn-ea"/>
+                <a:cs typeface="+mn-cs"/>
+              </a:defRPr>
+            </a:lvl6pPr>
+            <a:lvl7pPr marL="2971800" indent="-228600" algn="l" defTabSz="914400" rtl="0" eaLnBrk="1" latinLnBrk="0" hangingPunct="1">
+              <a:lnSpc>
+                <a:spcPct val="90000"/>
+              </a:lnSpc>
+              <a:spcBef>
+                <a:spcPts val="500"/>
+              </a:spcBef>
+              <a:buFont typeface="Arial" panose="020B0604020202020204" pitchFamily="34" charset="0"/>
+              <a:buChar char="•"/>
+              <a:defRPr sz="1800" kern="1200">
+                <a:solidFill>
+                  <a:schemeClr val="tx1"/>
+                </a:solidFill>
+                <a:latin typeface="+mn-lt"/>
+                <a:ea typeface="+mn-ea"/>
+                <a:cs typeface="+mn-cs"/>
+              </a:defRPr>
+            </a:lvl7pPr>
+            <a:lvl8pPr marL="3429000" indent="-228600" algn="l" defTabSz="914400" rtl="0" eaLnBrk="1" latinLnBrk="0" hangingPunct="1">
+              <a:lnSpc>
+                <a:spcPct val="90000"/>
+              </a:lnSpc>
+              <a:spcBef>
+                <a:spcPts val="500"/>
+              </a:spcBef>
+              <a:buFont typeface="Arial" panose="020B0604020202020204" pitchFamily="34" charset="0"/>
+              <a:buChar char="•"/>
+              <a:defRPr sz="1800" kern="1200">
+                <a:solidFill>
+                  <a:schemeClr val="tx1"/>
+                </a:solidFill>
+                <a:latin typeface="+mn-lt"/>
+                <a:ea typeface="+mn-ea"/>
+                <a:cs typeface="+mn-cs"/>
+              </a:defRPr>
+            </a:lvl8pPr>
+            <a:lvl9pPr marL="3886200" indent="-228600" algn="l" defTabSz="914400" rtl="0" eaLnBrk="1" latinLnBrk="0" hangingPunct="1">
+              <a:lnSpc>
+                <a:spcPct val="90000"/>
+              </a:lnSpc>
+              <a:spcBef>
+                <a:spcPts val="500"/>
+              </a:spcBef>
+              <a:buFont typeface="Arial" panose="020B0604020202020204" pitchFamily="34" charset="0"/>
+              <a:buChar char="•"/>
+              <a:defRPr sz="1800" kern="1200">
+                <a:solidFill>
+                  <a:schemeClr val="tx1"/>
+                </a:solidFill>
+                <a:latin typeface="+mn-lt"/>
+                <a:ea typeface="+mn-ea"/>
+                <a:cs typeface="+mn-cs"/>
+              </a:defRPr>
+            </a:lvl9pPr>
+          </a:lstStyle>
+          <a:p>
+            <a:r>
+              <a:rPr lang="ru-RU" i="1" dirty="0" smtClean="0"/>
+              <a:t>Оценка точности по экзаменационным выборкам. </a:t>
+            </a:r>
+            <a:r>
+              <a:rPr lang="en-US" i="1" dirty="0" smtClean="0"/>
+              <a:t>N</a:t>
+            </a:r>
+            <a:r>
+              <a:rPr lang="ru-RU" sz="1800" i="1" dirty="0" err="1" smtClean="0"/>
+              <a:t>обуч</a:t>
+            </a:r>
+            <a:r>
+              <a:rPr lang="ru-RU" i="1" dirty="0" smtClean="0"/>
+              <a:t> </a:t>
+            </a:r>
+            <a:r>
+              <a:rPr lang="en-US" i="1" dirty="0" smtClean="0"/>
+              <a:t>&gt; N</a:t>
+            </a:r>
+            <a:r>
+              <a:rPr lang="ru-RU" sz="1800" i="1" dirty="0" err="1" smtClean="0"/>
+              <a:t>экзам</a:t>
+            </a:r>
+            <a:endParaRPr lang="ru-RU" i="1" dirty="0" smtClean="0"/>
+          </a:p>
+          <a:p>
+            <a:endParaRPr lang="en-US" i="1" dirty="0" smtClean="0"/>
+          </a:p>
+          <a:p>
+            <a:r>
+              <a:rPr lang="ru-RU" i="1" dirty="0" smtClean="0"/>
+              <a:t>Оценка точности с помощью скользящего контроля (или «метод складного ножа», «</a:t>
+            </a:r>
+            <a:r>
+              <a:rPr lang="en-US" i="1" dirty="0" smtClean="0"/>
+              <a:t>Jackknife</a:t>
+            </a:r>
+            <a:r>
+              <a:rPr lang="ru-RU" i="1" dirty="0" smtClean="0"/>
+              <a:t>»)</a:t>
+            </a:r>
+            <a:r>
+              <a:rPr lang="en-US" i="1" dirty="0" smtClean="0"/>
+              <a:t> – </a:t>
+            </a:r>
+            <a:r>
+              <a:rPr lang="ru-RU" i="1" dirty="0" smtClean="0"/>
+              <a:t>для небольших выборок</a:t>
+            </a:r>
+          </a:p>
+          <a:p>
+            <a:endParaRPr lang="en-US" i="1" dirty="0" smtClean="0"/>
+          </a:p>
+          <a:p>
+            <a:r>
+              <a:rPr lang="ru-RU" i="1" dirty="0" smtClean="0"/>
+              <a:t>Оценка точности с помощью v–кратной перекрестной проверки (v–</a:t>
+            </a:r>
+            <a:r>
+              <a:rPr lang="ru-RU" i="1" dirty="0" err="1" smtClean="0"/>
+              <a:t>fold</a:t>
+            </a:r>
+            <a:r>
+              <a:rPr lang="ru-RU" i="1" dirty="0" smtClean="0"/>
+              <a:t> </a:t>
+            </a:r>
+            <a:r>
+              <a:rPr lang="ru-RU" i="1" dirty="0" err="1" smtClean="0"/>
+              <a:t>cross</a:t>
+            </a:r>
+            <a:r>
+              <a:rPr lang="ru-RU" i="1" dirty="0" smtClean="0"/>
+              <a:t> </a:t>
+            </a:r>
+            <a:r>
+              <a:rPr lang="ru-RU" i="1" dirty="0" err="1" smtClean="0"/>
+              <a:t>validation</a:t>
+            </a:r>
+            <a:r>
+              <a:rPr lang="ru-RU" i="1" dirty="0" smtClean="0"/>
+              <a:t>)</a:t>
+            </a:r>
+            <a:endParaRPr lang="ru-RU" i="1" dirty="0"/>
+          </a:p>
+        </p:txBody>
+      </p:sp>
+      <p:sp>
+        <p:nvSpPr>
+          <p:cNvPr id="5" name="Заголовок 1"/>
           <p:cNvSpPr>
             <a:spLocks noGrp="1"/>
           </p:cNvSpPr>
@@ -14322,8 +14606,8 @@
         </p:nvSpPr>
         <p:spPr>
           <a:xfrm>
-            <a:off x="420920" y="103869"/>
-            <a:ext cx="11538857" cy="694418"/>
+            <a:off x="246744" y="103869"/>
+            <a:ext cx="11713034" cy="694418"/>
           </a:xfrm>
         </p:spPr>
         <p:txBody>
@@ -14352,7 +14636,18 @@
                   </a:schemeClr>
                 </a:solidFill>
               </a:rPr>
-              <a:t>Text Mining</a:t>
+              <a:t>Text </a:t>
+            </a:r>
+            <a:r>
+              <a:rPr lang="en-US" sz="3600" i="1" dirty="0" smtClean="0">
+                <a:solidFill>
+                  <a:schemeClr val="tx2">
+                    <a:lumMod val="60000"/>
+                    <a:lumOff val="40000"/>
+                  </a:schemeClr>
+                </a:solidFill>
+              </a:rPr>
+              <a:t>Mining</a:t>
             </a:r>
             <a:endParaRPr lang="ru-RU" sz="3600" i="1" dirty="0">
               <a:solidFill>
@@ -14367,6 +14662,193 @@
       </p:sp>
       <p:sp>
         <p:nvSpPr>
+          <p:cNvPr id="7" name="Нижний колонтитул 6"/>
+          <p:cNvSpPr>
+            <a:spLocks noGrp="1"/>
+          </p:cNvSpPr>
+          <p:nvPr>
+            <p:ph type="ftr" sz="quarter" idx="11"/>
+          </p:nvPr>
+        </p:nvSpPr>
+        <p:spPr/>
+        <p:txBody>
+          <a:bodyPr/>
+          <a:lstStyle/>
+          <a:p>
+            <a:r>
+              <a:rPr lang="ru-RU" dirty="0" smtClean="0"/>
+              <a:t>НИУ "МЭИ", Каф. </a:t>
+            </a:r>
+            <a:r>
+              <a:rPr lang="ru-RU" dirty="0" err="1" smtClean="0"/>
+              <a:t>УиИ</a:t>
+            </a:r>
+            <a:r>
+              <a:rPr lang="ru-RU" dirty="0" smtClean="0"/>
+              <a:t>, 2017</a:t>
+            </a:r>
+            <a:endParaRPr lang="ru-RU" dirty="0"/>
+          </a:p>
+        </p:txBody>
+      </p:sp>
+      <p:sp>
+        <p:nvSpPr>
+          <p:cNvPr id="6" name="Номер слайда 5"/>
+          <p:cNvSpPr>
+            <a:spLocks noGrp="1"/>
+          </p:cNvSpPr>
+          <p:nvPr>
+            <p:ph type="sldNum" sz="quarter" idx="12"/>
+          </p:nvPr>
+        </p:nvSpPr>
+        <p:spPr/>
+        <p:txBody>
+          <a:bodyPr/>
+          <a:lstStyle/>
+          <a:p>
+            <a:fld id="{42B5FB3D-FCB6-4F02-96CD-8C0D52B29842}" type="slidenum">
+              <a:rPr lang="ru-RU" smtClean="0"/>
+              <a:t>22</a:t>
+            </a:fld>
+            <a:endParaRPr lang="ru-RU"/>
+          </a:p>
+        </p:txBody>
+      </p:sp>
+      <p:sp>
+        <p:nvSpPr>
+          <p:cNvPr id="2" name="TextBox 1"/>
+          <p:cNvSpPr txBox="1"/>
+          <p:nvPr/>
+        </p:nvSpPr>
+        <p:spPr>
+          <a:xfrm>
+            <a:off x="420916" y="797578"/>
+            <a:ext cx="11103429" cy="1384995"/>
+          </a:xfrm>
+          <a:prstGeom prst="rect">
+            <a:avLst/>
+          </a:prstGeom>
+          <a:noFill/>
+        </p:spPr>
+        <p:txBody>
+          <a:bodyPr wrap="square" rtlCol="0">
+            <a:spAutoFit/>
+          </a:bodyPr>
+          <a:lstStyle/>
+          <a:p>
+            <a:r>
+              <a:rPr lang="ru-RU" sz="2800" dirty="0" smtClean="0"/>
+              <a:t>Часть  размеченных документов оставляют для обучения, часть – для оценки точности метода. Обычно используют следующие методы оценки:</a:t>
+            </a:r>
+            <a:endParaRPr lang="ru-RU" sz="2800" dirty="0"/>
+          </a:p>
+        </p:txBody>
+      </p:sp>
+    </p:spTree>
+    <p:extLst>
+      <p:ext uri="{BB962C8B-B14F-4D97-AF65-F5344CB8AC3E}">
+        <p14:creationId xmlns:p14="http://schemas.microsoft.com/office/powerpoint/2010/main" val="1491453762"/>
+      </p:ext>
+    </p:extLst>
+  </p:cSld>
+  <p:clrMapOvr>
+    <a:masterClrMapping/>
+  </p:clrMapOvr>
+  <p:timing>
+    <p:tnLst>
+      <p:par>
+        <p:cTn id="1" dur="indefinite" restart="never" nodeType="tmRoot"/>
+      </p:par>
+    </p:tnLst>
+  </p:timing>
+</p:sld>
+</file>
+
+<file path=ppt/slides/slide23.xml><?xml version="1.0" encoding="utf-8"?>
+<p:sld xmlns:a="http://schemas.openxmlformats.org/drawingml/2006/main" xmlns:r="http://schemas.openxmlformats.org/officeDocument/2006/relationships" xmlns:p="http://schemas.openxmlformats.org/presentationml/2006/main">
+  <p:cSld>
+    <p:spTree>
+      <p:nvGrpSpPr>
+        <p:cNvPr id="1" name=""/>
+        <p:cNvGrpSpPr/>
+        <p:nvPr/>
+      </p:nvGrpSpPr>
+      <p:grpSpPr>
+        <a:xfrm>
+          <a:off x="0" y="0"/>
+          <a:ext cx="0" cy="0"/>
+          <a:chOff x="0" y="0"/>
+          <a:chExt cx="0" cy="0"/>
+        </a:xfrm>
+      </p:grpSpPr>
+      <p:sp>
+        <p:nvSpPr>
+          <p:cNvPr id="2" name="Заголовок 1"/>
+          <p:cNvSpPr>
+            <a:spLocks noGrp="1"/>
+          </p:cNvSpPr>
+          <p:nvPr>
+            <p:ph type="title"/>
+          </p:nvPr>
+        </p:nvSpPr>
+        <p:spPr>
+          <a:xfrm>
+            <a:off x="214184" y="103869"/>
+            <a:ext cx="11745593" cy="694418"/>
+          </a:xfrm>
+        </p:spPr>
+        <p:txBody>
+          <a:bodyPr>
+            <a:noAutofit/>
+          </a:bodyPr>
+          <a:lstStyle/>
+          <a:p>
+            <a:r>
+              <a:rPr lang="ru-RU" sz="3600" i="1" dirty="0">
+                <a:solidFill>
+                  <a:schemeClr val="tx2">
+                    <a:lumMod val="60000"/>
+                    <a:lumOff val="40000"/>
+                  </a:schemeClr>
+                </a:solidFill>
+              </a:rPr>
+              <a:t>Оценка точность классификации в задачах </a:t>
+            </a:r>
+            <a:r>
+              <a:rPr lang="en-US" sz="3600" i="1" dirty="0">
+                <a:solidFill>
+                  <a:schemeClr val="tx2">
+                    <a:lumMod val="60000"/>
+                    <a:lumOff val="40000"/>
+                  </a:schemeClr>
+                </a:solidFill>
+              </a:rPr>
+              <a:t>Text </a:t>
+            </a:r>
+            <a:r>
+              <a:rPr lang="en-US" sz="3600" i="1" dirty="0" smtClean="0">
+                <a:solidFill>
+                  <a:schemeClr val="tx2">
+                    <a:lumMod val="60000"/>
+                    <a:lumOff val="40000"/>
+                  </a:schemeClr>
+                </a:solidFill>
+              </a:rPr>
+              <a:t>Mining (2)</a:t>
+            </a:r>
+            <a:endParaRPr lang="ru-RU" sz="3600" i="1" dirty="0">
+              <a:solidFill>
+                <a:schemeClr val="tx2">
+                  <a:lumMod val="60000"/>
+                  <a:lumOff val="40000"/>
+                </a:schemeClr>
+              </a:solidFill>
+            </a:endParaRPr>
+          </a:p>
+        </p:txBody>
+      </p:sp>
+      <p:sp>
+        <p:nvSpPr>
           <p:cNvPr id="11" name="Нижний колонтитул 10"/>
           <p:cNvSpPr>
             <a:spLocks noGrp="1"/>
@@ -14405,7 +14887,7 @@
           <a:p>
             <a:fld id="{42B5FB3D-FCB6-4F02-96CD-8C0D52B29842}" type="slidenum">
               <a:rPr lang="ru-RU" smtClean="0"/>
-              <a:t>22</a:t>
+              <a:t>23</a:t>
             </a:fld>
             <a:endParaRPr lang="ru-RU"/>
           </a:p>
@@ -14440,8 +14922,8 @@
           </a:p>
         </p:txBody>
       </p:sp>
-      <mc:AlternateContent xmlns:mc="http://schemas.openxmlformats.org/markup-compatibility/2006">
-        <mc:Choice xmlns:a14="http://schemas.microsoft.com/office/drawing/2010/main" Requires="a14">
+      <mc:AlternateContent xmlns:mc="http://schemas.openxmlformats.org/markup-compatibility/2006" xmlns:a14="http://schemas.microsoft.com/office/drawing/2010/main">
+        <mc:Choice Requires="a14">
           <p:sp>
             <p:nvSpPr>
               <p:cNvPr id="6" name="TextBox 5"/>
@@ -14466,11 +14948,7 @@
               <a:p>
                 <a:r>
                   <a:rPr lang="ru-RU" sz="2400" dirty="0" smtClean="0"/>
-                  <a:t>Точность (</a:t>
-                </a:r>
-                <a:r>
-                  <a:rPr lang="ru-RU" sz="2400" dirty="0" smtClean="0"/>
-                  <a:t>правильность, аккуратность) </a:t>
+                  <a:t>Точность (правильность, аккуратность) </a:t>
                 </a:r>
                 <a:r>
                   <a:rPr lang="en-US" sz="2400" dirty="0" smtClean="0"/>
@@ -14488,7 +14966,7 @@
                       <m:fPr>
                         <m:ctrlPr>
                           <a:rPr lang="en-US" sz="2400" b="0" i="1" smtClean="0">
-                            <a:latin typeface="Cambria Math"/>
+                            <a:latin typeface="Cambria Math" panose="02040503050406030204" pitchFamily="18" charset="0"/>
                           </a:rPr>
                         </m:ctrlPr>
                       </m:fPr>
@@ -14548,7 +15026,7 @@
                       <m:fPr>
                         <m:ctrlPr>
                           <a:rPr lang="en-US" sz="2400" b="0" i="1" smtClean="0">
-                            <a:latin typeface="Cambria Math"/>
+                            <a:latin typeface="Cambria Math" panose="02040503050406030204" pitchFamily="18" charset="0"/>
                           </a:rPr>
                         </m:ctrlPr>
                       </m:fPr>
@@ -14609,7 +15087,7 @@
                       <m:fPr>
                         <m:ctrlPr>
                           <a:rPr lang="en-US" sz="2400" i="1">
-                            <a:latin typeface="Cambria Math"/>
+                            <a:latin typeface="Cambria Math" panose="02040503050406030204" pitchFamily="18" charset="0"/>
                           </a:rPr>
                         </m:ctrlPr>
                       </m:fPr>
@@ -14681,7 +15159,7 @@
                       <m:fPr>
                         <m:ctrlPr>
                           <a:rPr lang="en-US" sz="2400" i="1">
-                            <a:latin typeface="Cambria Math"/>
+                            <a:latin typeface="Cambria Math" panose="02040503050406030204" pitchFamily="18" charset="0"/>
                           </a:rPr>
                         </m:ctrlPr>
                       </m:fPr>
@@ -14745,7 +15223,7 @@
             </p:txBody>
           </p:sp>
         </mc:Choice>
-        <mc:Fallback>
+        <mc:Fallback xmlns="">
           <p:sp>
             <p:nvSpPr>
               <p:cNvPr id="6" name="TextBox 5"/>
@@ -15169,470 +15647,6 @@
 </p:sld>
 </file>
 
-<file path=ppt/slides/slide23.xml><?xml version="1.0" encoding="utf-8"?>
-<p:sld xmlns:a="http://schemas.openxmlformats.org/drawingml/2006/main" xmlns:r="http://schemas.openxmlformats.org/officeDocument/2006/relationships" xmlns:p="http://schemas.openxmlformats.org/presentationml/2006/main">
-  <p:cSld>
-    <p:spTree>
-      <p:nvGrpSpPr>
-        <p:cNvPr id="1" name=""/>
-        <p:cNvGrpSpPr/>
-        <p:nvPr/>
-      </p:nvGrpSpPr>
-      <p:grpSpPr>
-        <a:xfrm>
-          <a:off x="0" y="0"/>
-          <a:ext cx="0" cy="0"/>
-          <a:chOff x="0" y="0"/>
-          <a:chExt cx="0" cy="0"/>
-        </a:xfrm>
-      </p:grpSpPr>
-      <p:sp>
-        <p:nvSpPr>
-          <p:cNvPr id="4" name="Объект 2"/>
-          <p:cNvSpPr txBox="1">
-            <a:spLocks/>
-          </p:cNvSpPr>
-          <p:nvPr/>
-        </p:nvSpPr>
-        <p:spPr>
-          <a:xfrm>
-            <a:off x="420916" y="2423885"/>
-            <a:ext cx="11103429" cy="3744685"/>
-          </a:xfrm>
-          <a:prstGeom prst="rect">
-            <a:avLst/>
-          </a:prstGeom>
-        </p:spPr>
-        <p:txBody>
-          <a:bodyPr vert="horz" lIns="91440" tIns="45720" rIns="91440" bIns="45720" rtlCol="0">
-            <a:normAutofit/>
-          </a:bodyPr>
-          <a:lstStyle>
-            <a:lvl1pPr marL="228600" indent="-228600" algn="l" defTabSz="914400" rtl="0" eaLnBrk="1" latinLnBrk="0" hangingPunct="1">
-              <a:lnSpc>
-                <a:spcPct val="90000"/>
-              </a:lnSpc>
-              <a:spcBef>
-                <a:spcPts val="1000"/>
-              </a:spcBef>
-              <a:buFont typeface="Arial" panose="020B0604020202020204" pitchFamily="34" charset="0"/>
-              <a:buChar char="•"/>
-              <a:defRPr sz="2800" kern="1200">
-                <a:solidFill>
-                  <a:schemeClr val="tx1"/>
-                </a:solidFill>
-                <a:latin typeface="+mn-lt"/>
-                <a:ea typeface="+mn-ea"/>
-                <a:cs typeface="+mn-cs"/>
-              </a:defRPr>
-            </a:lvl1pPr>
-            <a:lvl2pPr marL="685800" indent="-228600" algn="l" defTabSz="914400" rtl="0" eaLnBrk="1" latinLnBrk="0" hangingPunct="1">
-              <a:lnSpc>
-                <a:spcPct val="90000"/>
-              </a:lnSpc>
-              <a:spcBef>
-                <a:spcPts val="500"/>
-              </a:spcBef>
-              <a:buFont typeface="Arial" panose="020B0604020202020204" pitchFamily="34" charset="0"/>
-              <a:buChar char="•"/>
-              <a:defRPr sz="2400" kern="1200">
-                <a:solidFill>
-                  <a:schemeClr val="tx1"/>
-                </a:solidFill>
-                <a:latin typeface="+mn-lt"/>
-                <a:ea typeface="+mn-ea"/>
-                <a:cs typeface="+mn-cs"/>
-              </a:defRPr>
-            </a:lvl2pPr>
-            <a:lvl3pPr marL="1143000" indent="-228600" algn="l" defTabSz="914400" rtl="0" eaLnBrk="1" latinLnBrk="0" hangingPunct="1">
-              <a:lnSpc>
-                <a:spcPct val="90000"/>
-              </a:lnSpc>
-              <a:spcBef>
-                <a:spcPts val="500"/>
-              </a:spcBef>
-              <a:buFont typeface="Arial" panose="020B0604020202020204" pitchFamily="34" charset="0"/>
-              <a:buChar char="•"/>
-              <a:defRPr sz="2000" kern="1200">
-                <a:solidFill>
-                  <a:schemeClr val="tx1"/>
-                </a:solidFill>
-                <a:latin typeface="+mn-lt"/>
-                <a:ea typeface="+mn-ea"/>
-                <a:cs typeface="+mn-cs"/>
-              </a:defRPr>
-            </a:lvl3pPr>
-            <a:lvl4pPr marL="1600200" indent="-228600" algn="l" defTabSz="914400" rtl="0" eaLnBrk="1" latinLnBrk="0" hangingPunct="1">
-              <a:lnSpc>
-                <a:spcPct val="90000"/>
-              </a:lnSpc>
-              <a:spcBef>
-                <a:spcPts val="500"/>
-              </a:spcBef>
-              <a:buFont typeface="Arial" panose="020B0604020202020204" pitchFamily="34" charset="0"/>
-              <a:buChar char="•"/>
-              <a:defRPr sz="1800" kern="1200">
-                <a:solidFill>
-                  <a:schemeClr val="tx1"/>
-                </a:solidFill>
-                <a:latin typeface="+mn-lt"/>
-                <a:ea typeface="+mn-ea"/>
-                <a:cs typeface="+mn-cs"/>
-              </a:defRPr>
-            </a:lvl4pPr>
-            <a:lvl5pPr marL="2057400" indent="-228600" algn="l" defTabSz="914400" rtl="0" eaLnBrk="1" latinLnBrk="0" hangingPunct="1">
-              <a:lnSpc>
-                <a:spcPct val="90000"/>
-              </a:lnSpc>
-              <a:spcBef>
-                <a:spcPts val="500"/>
-              </a:spcBef>
-              <a:buFont typeface="Arial" panose="020B0604020202020204" pitchFamily="34" charset="0"/>
-              <a:buChar char="•"/>
-              <a:defRPr sz="1800" kern="1200">
-                <a:solidFill>
-                  <a:schemeClr val="tx1"/>
-                </a:solidFill>
-                <a:latin typeface="+mn-lt"/>
-                <a:ea typeface="+mn-ea"/>
-                <a:cs typeface="+mn-cs"/>
-              </a:defRPr>
-            </a:lvl5pPr>
-            <a:lvl6pPr marL="2514600" indent="-228600" algn="l" defTabSz="914400" rtl="0" eaLnBrk="1" latinLnBrk="0" hangingPunct="1">
-              <a:lnSpc>
-                <a:spcPct val="90000"/>
-              </a:lnSpc>
-              <a:spcBef>
-                <a:spcPts val="500"/>
-              </a:spcBef>
-              <a:buFont typeface="Arial" panose="020B0604020202020204" pitchFamily="34" charset="0"/>
-              <a:buChar char="•"/>
-              <a:defRPr sz="1800" kern="1200">
-                <a:solidFill>
-                  <a:schemeClr val="tx1"/>
-                </a:solidFill>
-                <a:latin typeface="+mn-lt"/>
-                <a:ea typeface="+mn-ea"/>
-                <a:cs typeface="+mn-cs"/>
-              </a:defRPr>
-            </a:lvl6pPr>
-            <a:lvl7pPr marL="2971800" indent="-228600" algn="l" defTabSz="914400" rtl="0" eaLnBrk="1" latinLnBrk="0" hangingPunct="1">
-              <a:lnSpc>
-                <a:spcPct val="90000"/>
-              </a:lnSpc>
-              <a:spcBef>
-                <a:spcPts val="500"/>
-              </a:spcBef>
-              <a:buFont typeface="Arial" panose="020B0604020202020204" pitchFamily="34" charset="0"/>
-              <a:buChar char="•"/>
-              <a:defRPr sz="1800" kern="1200">
-                <a:solidFill>
-                  <a:schemeClr val="tx1"/>
-                </a:solidFill>
-                <a:latin typeface="+mn-lt"/>
-                <a:ea typeface="+mn-ea"/>
-                <a:cs typeface="+mn-cs"/>
-              </a:defRPr>
-            </a:lvl7pPr>
-            <a:lvl8pPr marL="3429000" indent="-228600" algn="l" defTabSz="914400" rtl="0" eaLnBrk="1" latinLnBrk="0" hangingPunct="1">
-              <a:lnSpc>
-                <a:spcPct val="90000"/>
-              </a:lnSpc>
-              <a:spcBef>
-                <a:spcPts val="500"/>
-              </a:spcBef>
-              <a:buFont typeface="Arial" panose="020B0604020202020204" pitchFamily="34" charset="0"/>
-              <a:buChar char="•"/>
-              <a:defRPr sz="1800" kern="1200">
-                <a:solidFill>
-                  <a:schemeClr val="tx1"/>
-                </a:solidFill>
-                <a:latin typeface="+mn-lt"/>
-                <a:ea typeface="+mn-ea"/>
-                <a:cs typeface="+mn-cs"/>
-              </a:defRPr>
-            </a:lvl8pPr>
-            <a:lvl9pPr marL="3886200" indent="-228600" algn="l" defTabSz="914400" rtl="0" eaLnBrk="1" latinLnBrk="0" hangingPunct="1">
-              <a:lnSpc>
-                <a:spcPct val="90000"/>
-              </a:lnSpc>
-              <a:spcBef>
-                <a:spcPts val="500"/>
-              </a:spcBef>
-              <a:buFont typeface="Arial" panose="020B0604020202020204" pitchFamily="34" charset="0"/>
-              <a:buChar char="•"/>
-              <a:defRPr sz="1800" kern="1200">
-                <a:solidFill>
-                  <a:schemeClr val="tx1"/>
-                </a:solidFill>
-                <a:latin typeface="+mn-lt"/>
-                <a:ea typeface="+mn-ea"/>
-                <a:cs typeface="+mn-cs"/>
-              </a:defRPr>
-            </a:lvl9pPr>
-          </a:lstStyle>
-          <a:p>
-            <a:r>
-              <a:rPr lang="ru-RU" i="1" dirty="0" smtClean="0"/>
-              <a:t>Оценка точности по экзаменационным </a:t>
-            </a:r>
-            <a:r>
-              <a:rPr lang="ru-RU" i="1" dirty="0" smtClean="0"/>
-              <a:t>выборкам. </a:t>
-            </a:r>
-            <a:r>
-              <a:rPr lang="en-US" i="1" dirty="0" smtClean="0"/>
-              <a:t>N</a:t>
-            </a:r>
-            <a:r>
-              <a:rPr lang="ru-RU" sz="1800" i="1" dirty="0" err="1" smtClean="0"/>
-              <a:t>обуч</a:t>
-            </a:r>
-            <a:r>
-              <a:rPr lang="ru-RU" i="1" dirty="0" smtClean="0"/>
-              <a:t> </a:t>
-            </a:r>
-            <a:r>
-              <a:rPr lang="en-US" i="1" dirty="0" smtClean="0"/>
-              <a:t>&gt; N</a:t>
-            </a:r>
-            <a:r>
-              <a:rPr lang="ru-RU" sz="1800" i="1" dirty="0" err="1" smtClean="0"/>
-              <a:t>экзам</a:t>
-            </a:r>
-            <a:endParaRPr lang="ru-RU" i="1" dirty="0" smtClean="0"/>
-          </a:p>
-          <a:p>
-            <a:endParaRPr lang="en-US" i="1" dirty="0" smtClean="0"/>
-          </a:p>
-          <a:p>
-            <a:r>
-              <a:rPr lang="ru-RU" i="1" dirty="0" smtClean="0"/>
-              <a:t>Оценка точности с помощью скользящего контроля (или «метод складного ножа», «</a:t>
-            </a:r>
-            <a:r>
-              <a:rPr lang="en-US" i="1" dirty="0" smtClean="0"/>
-              <a:t>Jackknife</a:t>
-            </a:r>
-            <a:r>
-              <a:rPr lang="ru-RU" i="1" dirty="0" smtClean="0"/>
-              <a:t>»)</a:t>
-            </a:r>
-            <a:r>
-              <a:rPr lang="en-US" i="1" dirty="0" smtClean="0"/>
-              <a:t> – </a:t>
-            </a:r>
-            <a:r>
-              <a:rPr lang="ru-RU" i="1" dirty="0" smtClean="0"/>
-              <a:t>для небольших выборок</a:t>
-            </a:r>
-          </a:p>
-          <a:p>
-            <a:endParaRPr lang="en-US" i="1" dirty="0" smtClean="0"/>
-          </a:p>
-          <a:p>
-            <a:r>
-              <a:rPr lang="ru-RU" i="1" dirty="0" smtClean="0"/>
-              <a:t>Оценка точности с помощью v–кратной перекрестной проверки (v–</a:t>
-            </a:r>
-            <a:r>
-              <a:rPr lang="ru-RU" i="1" dirty="0" err="1" smtClean="0"/>
-              <a:t>fold</a:t>
-            </a:r>
-            <a:r>
-              <a:rPr lang="ru-RU" i="1" dirty="0" smtClean="0"/>
-              <a:t> </a:t>
-            </a:r>
-            <a:r>
-              <a:rPr lang="ru-RU" i="1" dirty="0" err="1" smtClean="0"/>
-              <a:t>cross</a:t>
-            </a:r>
-            <a:r>
-              <a:rPr lang="ru-RU" i="1" dirty="0" smtClean="0"/>
-              <a:t> </a:t>
-            </a:r>
-            <a:r>
-              <a:rPr lang="ru-RU" i="1" dirty="0" err="1" smtClean="0"/>
-              <a:t>validation</a:t>
-            </a:r>
-            <a:r>
-              <a:rPr lang="ru-RU" i="1" dirty="0" smtClean="0"/>
-              <a:t>)</a:t>
-            </a:r>
-            <a:endParaRPr lang="ru-RU" i="1" dirty="0"/>
-          </a:p>
-        </p:txBody>
-      </p:sp>
-      <p:sp>
-        <p:nvSpPr>
-          <p:cNvPr id="5" name="Заголовок 1"/>
-          <p:cNvSpPr>
-            <a:spLocks noGrp="1"/>
-          </p:cNvSpPr>
-          <p:nvPr>
-            <p:ph type="title"/>
-          </p:nvPr>
-        </p:nvSpPr>
-        <p:spPr>
-          <a:xfrm>
-            <a:off x="246744" y="103869"/>
-            <a:ext cx="11713034" cy="694418"/>
-          </a:xfrm>
-        </p:spPr>
-        <p:txBody>
-          <a:bodyPr>
-            <a:noAutofit/>
-          </a:bodyPr>
-          <a:lstStyle/>
-          <a:p>
-            <a:r>
-              <a:rPr lang="ru-RU" sz="3600" i="1" dirty="0">
-                <a:solidFill>
-                  <a:schemeClr val="tx2">
-                    <a:lumMod val="60000"/>
-                    <a:lumOff val="40000"/>
-                  </a:schemeClr>
-                </a:solidFill>
-              </a:rPr>
-              <a:t>Оценка точность классификации в задачах </a:t>
-            </a:r>
-            <a:r>
-              <a:rPr lang="en-US" sz="3600" i="1" dirty="0">
-                <a:solidFill>
-                  <a:schemeClr val="tx2">
-                    <a:lumMod val="60000"/>
-                    <a:lumOff val="40000"/>
-                  </a:schemeClr>
-                </a:solidFill>
-              </a:rPr>
-              <a:t>Text </a:t>
-            </a:r>
-            <a:r>
-              <a:rPr lang="en-US" sz="3600" i="1" dirty="0" smtClean="0">
-                <a:solidFill>
-                  <a:schemeClr val="tx2">
-                    <a:lumMod val="60000"/>
-                    <a:lumOff val="40000"/>
-                  </a:schemeClr>
-                </a:solidFill>
-              </a:rPr>
-              <a:t>Mining(2)</a:t>
-            </a:r>
-            <a:endParaRPr lang="ru-RU" sz="3600" i="1" dirty="0">
-              <a:solidFill>
-                <a:schemeClr val="tx2">
-                  <a:lumMod val="60000"/>
-                  <a:lumOff val="40000"/>
-                </a:schemeClr>
-              </a:solidFill>
-            </a:endParaRPr>
-          </a:p>
-        </p:txBody>
-      </p:sp>
-      <p:sp>
-        <p:nvSpPr>
-          <p:cNvPr id="7" name="Нижний колонтитул 6"/>
-          <p:cNvSpPr>
-            <a:spLocks noGrp="1"/>
-          </p:cNvSpPr>
-          <p:nvPr>
-            <p:ph type="ftr" sz="quarter" idx="11"/>
-          </p:nvPr>
-        </p:nvSpPr>
-        <p:spPr/>
-        <p:txBody>
-          <a:bodyPr/>
-          <a:lstStyle/>
-          <a:p>
-            <a:r>
-              <a:rPr lang="ru-RU" dirty="0" smtClean="0"/>
-              <a:t>НИУ "МЭИ", Каф. </a:t>
-            </a:r>
-            <a:r>
-              <a:rPr lang="ru-RU" dirty="0" err="1" smtClean="0"/>
-              <a:t>УиИ</a:t>
-            </a:r>
-            <a:r>
-              <a:rPr lang="ru-RU" dirty="0" smtClean="0"/>
-              <a:t>, 2017</a:t>
-            </a:r>
-            <a:endParaRPr lang="ru-RU" dirty="0"/>
-          </a:p>
-        </p:txBody>
-      </p:sp>
-      <p:sp>
-        <p:nvSpPr>
-          <p:cNvPr id="6" name="Номер слайда 5"/>
-          <p:cNvSpPr>
-            <a:spLocks noGrp="1"/>
-          </p:cNvSpPr>
-          <p:nvPr>
-            <p:ph type="sldNum" sz="quarter" idx="12"/>
-          </p:nvPr>
-        </p:nvSpPr>
-        <p:spPr/>
-        <p:txBody>
-          <a:bodyPr/>
-          <a:lstStyle/>
-          <a:p>
-            <a:fld id="{42B5FB3D-FCB6-4F02-96CD-8C0D52B29842}" type="slidenum">
-              <a:rPr lang="ru-RU" smtClean="0"/>
-              <a:t>23</a:t>
-            </a:fld>
-            <a:endParaRPr lang="ru-RU"/>
-          </a:p>
-        </p:txBody>
-      </p:sp>
-      <p:sp>
-        <p:nvSpPr>
-          <p:cNvPr id="2" name="TextBox 1"/>
-          <p:cNvSpPr txBox="1"/>
-          <p:nvPr/>
-        </p:nvSpPr>
-        <p:spPr>
-          <a:xfrm>
-            <a:off x="420916" y="797578"/>
-            <a:ext cx="11103429" cy="1384995"/>
-          </a:xfrm>
-          <a:prstGeom prst="rect">
-            <a:avLst/>
-          </a:prstGeom>
-          <a:noFill/>
-        </p:spPr>
-        <p:txBody>
-          <a:bodyPr wrap="square" rtlCol="0">
-            <a:spAutoFit/>
-          </a:bodyPr>
-          <a:lstStyle/>
-          <a:p>
-            <a:r>
-              <a:rPr lang="ru-RU" sz="2800" dirty="0" smtClean="0"/>
-              <a:t>Часть  размеченных документов оставляют для обучения, часть – для оценки точности метода. Обычно используют следующие методы оценки:</a:t>
-            </a:r>
-            <a:endParaRPr lang="ru-RU" sz="2800" dirty="0"/>
-          </a:p>
-        </p:txBody>
-      </p:sp>
-    </p:spTree>
-    <p:extLst>
-      <p:ext uri="{BB962C8B-B14F-4D97-AF65-F5344CB8AC3E}">
-        <p14:creationId xmlns:p14="http://schemas.microsoft.com/office/powerpoint/2010/main" val="1491453762"/>
-      </p:ext>
-    </p:extLst>
-  </p:cSld>
-  <p:clrMapOvr>
-    <a:masterClrMapping/>
-  </p:clrMapOvr>
-  <p:timing>
-    <p:tnLst>
-      <p:par>
-        <p:cTn id="1" dur="indefinite" restart="never" nodeType="tmRoot"/>
-      </p:par>
-    </p:tnLst>
-  </p:timing>
-</p:sld>
-</file>
-
 <file path=ppt/slides/slide3.xml><?xml version="1.0" encoding="utf-8"?>
 <p:sld xmlns:a="http://schemas.openxmlformats.org/drawingml/2006/main" xmlns:r="http://schemas.openxmlformats.org/officeDocument/2006/relationships" xmlns:p="http://schemas.openxmlformats.org/presentationml/2006/main">
   <p:cSld>
@@ -16796,7 +16810,7 @@
                       <m:fPr>
                         <m:ctrlPr>
                           <a:rPr lang="en-US" b="0" i="1" smtClean="0">
-                            <a:latin typeface="Cambria Math"/>
+                            <a:latin typeface="Cambria Math" panose="02040503050406030204" pitchFamily="18" charset="0"/>
                           </a:rPr>
                         </m:ctrlPr>
                       </m:fPr>
@@ -16805,7 +16819,7 @@
                           <m:sSubPr>
                             <m:ctrlPr>
                               <a:rPr lang="en-US" b="0" i="1" smtClean="0">
-                                <a:latin typeface="Cambria Math"/>
+                                <a:latin typeface="Cambria Math" panose="02040503050406030204" pitchFamily="18" charset="0"/>
                               </a:rPr>
                             </m:ctrlPr>
                           </m:sSubPr>
@@ -16832,7 +16846,7 @@
                           <m:sSubPr>
                             <m:ctrlPr>
                               <a:rPr lang="en-US" b="0" i="1" smtClean="0">
-                                <a:latin typeface="Cambria Math"/>
+                                <a:latin typeface="Cambria Math" panose="02040503050406030204" pitchFamily="18" charset="0"/>
                               </a:rPr>
                             </m:ctrlPr>
                           </m:sSubPr>
@@ -16857,7 +16871,7 @@
                           <m:sSubPr>
                             <m:ctrlPr>
                               <a:rPr lang="en-US" b="0" i="1" smtClean="0">
-                                <a:latin typeface="Cambria Math"/>
+                                <a:latin typeface="Cambria Math" panose="02040503050406030204" pitchFamily="18" charset="0"/>
                               </a:rPr>
                             </m:ctrlPr>
                           </m:sSubPr>
@@ -17135,7 +17149,7 @@
           <a:graphicData uri="http://schemas.openxmlformats.org/presentationml/2006/ole">
             <mc:AlternateContent xmlns:mc="http://schemas.openxmlformats.org/markup-compatibility/2006">
               <mc:Choice xmlns:v="urn:schemas-microsoft-com:vml" Requires="v">
-                <p:oleObj spid="_x0000_s1121" name="Уравнение" r:id="rId4" imgW="774360" imgH="1168200" progId="Equation.3">
+                <p:oleObj spid="_x0000_s1124" name="Уравнение" r:id="rId4" imgW="774360" imgH="1168200" progId="Equation.3">
                   <p:embed/>
                 </p:oleObj>
               </mc:Choice>
@@ -17205,7 +17219,7 @@
           <a:graphicData uri="http://schemas.openxmlformats.org/presentationml/2006/ole">
             <mc:AlternateContent xmlns:mc="http://schemas.openxmlformats.org/markup-compatibility/2006">
               <mc:Choice xmlns:v="urn:schemas-microsoft-com:vml" Requires="v">
-                <p:oleObj spid="_x0000_s1122" name="Уравнение" r:id="rId6" imgW="228600" imgH="253800" progId="Equation.3">
+                <p:oleObj spid="_x0000_s1125" name="Уравнение" r:id="rId6" imgW="228600" imgH="253800" progId="Equation.3">
                   <p:embed/>
                 </p:oleObj>
               </mc:Choice>
@@ -17490,7 +17504,7 @@
           <a:graphicData uri="http://schemas.openxmlformats.org/presentationml/2006/ole">
             <mc:AlternateContent xmlns:mc="http://schemas.openxmlformats.org/markup-compatibility/2006">
               <mc:Choice xmlns:v="urn:schemas-microsoft-com:vml" Requires="v">
-                <p:oleObj spid="_x0000_s1123" name="Уравнение" r:id="rId8" imgW="1346040" imgH="838080" progId="Equation.3">
+                <p:oleObj spid="_x0000_s1126" name="Уравнение" r:id="rId8" imgW="1346040" imgH="838080" progId="Equation.3">
                   <p:embed/>
                 </p:oleObj>
               </mc:Choice>
@@ -17641,7 +17655,7 @@
                       <m:sSupPr>
                         <m:ctrlPr>
                           <a:rPr lang="en-US" i="1" dirty="0" smtClean="0">
-                            <a:latin typeface="Cambria Math"/>
+                            <a:latin typeface="Cambria Math" panose="02040503050406030204" pitchFamily="18" charset="0"/>
                           </a:rPr>
                         </m:ctrlPr>
                       </m:sSupPr>
@@ -17674,7 +17688,7 @@
                       <m:sSupPr>
                         <m:ctrlPr>
                           <a:rPr lang="en-US" i="1" dirty="0">
-                            <a:latin typeface="Cambria Math"/>
+                            <a:latin typeface="Cambria Math" panose="02040503050406030204" pitchFamily="18" charset="0"/>
                           </a:rPr>
                         </m:ctrlPr>
                       </m:sSupPr>
